--- a/Documents/Presentation/Presentation_MobileMotionTrackingRobotArm.pptx
+++ b/Documents/Presentation/Presentation_MobileMotionTrackingRobotArm.pptx
@@ -20,7 +20,7 @@
     <p:sldId id="271" r:id="rId11"/>
     <p:sldId id="272" r:id="rId12"/>
     <p:sldId id="273" r:id="rId13"/>
-    <p:sldId id="274" r:id="rId14"/>
+    <p:sldId id="275" r:id="rId14"/>
     <p:sldId id="265" r:id="rId15"/>
     <p:sldId id="260" r:id="rId16"/>
     <p:sldId id="261" r:id="rId17"/>
@@ -223,7 +223,7 @@
           <a:p>
             <a:fld id="{268F506D-26F5-4309-8499-7C58FB34B1C8}" type="datetimeFigureOut">
               <a:rPr lang="en-US" smtClean="0"/>
-              <a:t>4/26/2016</a:t>
+              <a:t>5/1/2016</a:t>
             </a:fld>
             <a:endParaRPr lang="en-US"/>
           </a:p>
@@ -614,6 +614,280 @@
 </p:notes>
 </file>
 
+<file path=ppt/notesSlides/notesSlide2.xml><?xml version="1.0" encoding="utf-8"?>
+<p:notes xmlns:a="http://schemas.openxmlformats.org/drawingml/2006/main" xmlns:r="http://schemas.openxmlformats.org/officeDocument/2006/relationships" xmlns:p="http://schemas.openxmlformats.org/presentationml/2006/main">
+  <p:cSld>
+    <p:spTree>
+      <p:nvGrpSpPr>
+        <p:cNvPr id="1" name=""/>
+        <p:cNvGrpSpPr/>
+        <p:nvPr/>
+      </p:nvGrpSpPr>
+      <p:grpSpPr>
+        <a:xfrm>
+          <a:off x="0" y="0"/>
+          <a:ext cx="0" cy="0"/>
+          <a:chOff x="0" y="0"/>
+          <a:chExt cx="0" cy="0"/>
+        </a:xfrm>
+      </p:grpSpPr>
+      <p:sp>
+        <p:nvSpPr>
+          <p:cNvPr id="2" name="Slide Image Placeholder 1"/>
+          <p:cNvSpPr>
+            <a:spLocks noGrp="1" noRot="1" noChangeAspect="1"/>
+          </p:cNvSpPr>
+          <p:nvPr>
+            <p:ph type="sldImg"/>
+          </p:nvPr>
+        </p:nvSpPr>
+        <p:spPr/>
+      </p:sp>
+      <p:sp>
+        <p:nvSpPr>
+          <p:cNvPr id="3" name="Notes Placeholder 2"/>
+          <p:cNvSpPr>
+            <a:spLocks noGrp="1"/>
+          </p:cNvSpPr>
+          <p:nvPr>
+            <p:ph type="body" idx="1"/>
+          </p:nvPr>
+        </p:nvSpPr>
+        <p:spPr/>
+        <p:txBody>
+          <a:bodyPr/>
+          <a:lstStyle/>
+          <a:p>
+            <a:pPr marL="171450" indent="-171450">
+              <a:buFont typeface="Arial" panose="020B0604020202020204" pitchFamily="34" charset="0"/>
+              <a:buChar char="•"/>
+            </a:pPr>
+            <a:r>
+              <a:rPr lang="en-US" dirty="0" smtClean="0"/>
+              <a:t>Kinect SDK has skeleton stream – stores information about each joint (coordinates)</a:t>
+            </a:r>
+          </a:p>
+          <a:p>
+            <a:pPr marL="171450" indent="-171450">
+              <a:buFont typeface="Arial" panose="020B0604020202020204" pitchFamily="34" charset="0"/>
+              <a:buChar char="•"/>
+            </a:pPr>
+            <a:r>
+              <a:rPr lang="en-US" dirty="0" smtClean="0"/>
+              <a:t>Filter out right hand joint</a:t>
+            </a:r>
+          </a:p>
+          <a:p>
+            <a:pPr marL="171450" indent="-171450">
+              <a:buFont typeface="Arial" panose="020B0604020202020204" pitchFamily="34" charset="0"/>
+              <a:buChar char="•"/>
+            </a:pPr>
+            <a:r>
+              <a:rPr lang="en-US" dirty="0" smtClean="0"/>
+              <a:t>Each joint is an</a:t>
+            </a:r>
+            <a:r>
+              <a:rPr lang="en-US" baseline="0" dirty="0" smtClean="0"/>
+              <a:t> enumeration – </a:t>
+            </a:r>
+            <a:r>
+              <a:rPr lang="en-US" baseline="0" dirty="0" err="1" smtClean="0"/>
+              <a:t>HandRight.X</a:t>
+            </a:r>
+            <a:r>
+              <a:rPr lang="en-US" baseline="0" dirty="0" smtClean="0"/>
+              <a:t> gives x coordinate</a:t>
+            </a:r>
+          </a:p>
+          <a:p>
+            <a:pPr marL="171450" indent="-171450">
+              <a:buFont typeface="Arial" panose="020B0604020202020204" pitchFamily="34" charset="0"/>
+              <a:buChar char="•"/>
+            </a:pPr>
+            <a:r>
+              <a:rPr lang="en-US" baseline="0" dirty="0" smtClean="0"/>
+              <a:t>Use gestures for hand opened/closed – Interaction stream: Grip/</a:t>
+            </a:r>
+            <a:r>
+              <a:rPr lang="en-US" baseline="0" dirty="0" err="1" smtClean="0"/>
+              <a:t>GripReleased</a:t>
+            </a:r>
+            <a:r>
+              <a:rPr lang="en-US" baseline="0" dirty="0" smtClean="0"/>
+              <a:t> events</a:t>
+            </a:r>
+            <a:endParaRPr lang="en-US" dirty="0"/>
+          </a:p>
+        </p:txBody>
+      </p:sp>
+      <p:sp>
+        <p:nvSpPr>
+          <p:cNvPr id="4" name="Slide Number Placeholder 3"/>
+          <p:cNvSpPr>
+            <a:spLocks noGrp="1"/>
+          </p:cNvSpPr>
+          <p:nvPr>
+            <p:ph type="sldNum" sz="quarter" idx="10"/>
+          </p:nvPr>
+        </p:nvSpPr>
+        <p:spPr/>
+        <p:txBody>
+          <a:bodyPr/>
+          <a:lstStyle/>
+          <a:p>
+            <a:fld id="{3B17A12C-C4E2-4206-8C18-BBFF2A1087F6}" type="slidenum">
+              <a:rPr lang="en-US" smtClean="0"/>
+              <a:t>11</a:t>
+            </a:fld>
+            <a:endParaRPr lang="en-US"/>
+          </a:p>
+        </p:txBody>
+      </p:sp>
+    </p:spTree>
+    <p:extLst>
+      <p:ext uri="{BB962C8B-B14F-4D97-AF65-F5344CB8AC3E}">
+        <p14:creationId xmlns:p14="http://schemas.microsoft.com/office/powerpoint/2010/main" val="747289961"/>
+      </p:ext>
+    </p:extLst>
+  </p:cSld>
+  <p:clrMapOvr>
+    <a:masterClrMapping/>
+  </p:clrMapOvr>
+</p:notes>
+</file>
+
+<file path=ppt/notesSlides/notesSlide3.xml><?xml version="1.0" encoding="utf-8"?>
+<p:notes xmlns:a="http://schemas.openxmlformats.org/drawingml/2006/main" xmlns:r="http://schemas.openxmlformats.org/officeDocument/2006/relationships" xmlns:p="http://schemas.openxmlformats.org/presentationml/2006/main">
+  <p:cSld>
+    <p:spTree>
+      <p:nvGrpSpPr>
+        <p:cNvPr id="1" name=""/>
+        <p:cNvGrpSpPr/>
+        <p:nvPr/>
+      </p:nvGrpSpPr>
+      <p:grpSpPr>
+        <a:xfrm>
+          <a:off x="0" y="0"/>
+          <a:ext cx="0" cy="0"/>
+          <a:chOff x="0" y="0"/>
+          <a:chExt cx="0" cy="0"/>
+        </a:xfrm>
+      </p:grpSpPr>
+      <p:sp>
+        <p:nvSpPr>
+          <p:cNvPr id="2" name="Slide Image Placeholder 1"/>
+          <p:cNvSpPr>
+            <a:spLocks noGrp="1" noRot="1" noChangeAspect="1"/>
+          </p:cNvSpPr>
+          <p:nvPr>
+            <p:ph type="sldImg"/>
+          </p:nvPr>
+        </p:nvSpPr>
+        <p:spPr/>
+      </p:sp>
+      <p:sp>
+        <p:nvSpPr>
+          <p:cNvPr id="3" name="Notes Placeholder 2"/>
+          <p:cNvSpPr>
+            <a:spLocks noGrp="1"/>
+          </p:cNvSpPr>
+          <p:nvPr>
+            <p:ph type="body" idx="1"/>
+          </p:nvPr>
+        </p:nvSpPr>
+        <p:spPr/>
+        <p:txBody>
+          <a:bodyPr/>
+          <a:lstStyle/>
+          <a:p>
+            <a:pPr marL="171450" marR="0" indent="-171450" algn="l" defTabSz="914400" rtl="0" eaLnBrk="1" fontAlgn="auto" latinLnBrk="0" hangingPunct="1">
+              <a:lnSpc>
+                <a:spcPct val="100000"/>
+              </a:lnSpc>
+              <a:spcBef>
+                <a:spcPts val="0"/>
+              </a:spcBef>
+              <a:spcAft>
+                <a:spcPts val="0"/>
+              </a:spcAft>
+              <a:buClrTx/>
+              <a:buSzTx/>
+              <a:buFont typeface="Arial" panose="020B0604020202020204" pitchFamily="34" charset="0"/>
+              <a:buChar char="•"/>
+              <a:tabLst/>
+              <a:defRPr/>
+            </a:pPr>
+            <a:r>
+              <a:rPr lang="en-US" dirty="0" smtClean="0"/>
+              <a:t>Inverse kinematics is a series of equations used in robotics to find the joint angles required to put the end of an arm at a specific location</a:t>
+            </a:r>
+          </a:p>
+          <a:p>
+            <a:pPr marL="171450" marR="0" indent="-171450" algn="l" defTabSz="914400" rtl="0" eaLnBrk="1" fontAlgn="auto" latinLnBrk="0" hangingPunct="1">
+              <a:lnSpc>
+                <a:spcPct val="100000"/>
+              </a:lnSpc>
+              <a:spcBef>
+                <a:spcPts val="0"/>
+              </a:spcBef>
+              <a:spcAft>
+                <a:spcPts val="0"/>
+              </a:spcAft>
+              <a:buClrTx/>
+              <a:buSzTx/>
+              <a:buFont typeface="Arial" panose="020B0604020202020204" pitchFamily="34" charset="0"/>
+              <a:buChar char="•"/>
+              <a:tabLst/>
+              <a:defRPr/>
+            </a:pPr>
+            <a:r>
+              <a:rPr lang="en-US" dirty="0" smtClean="0"/>
+              <a:t>Linear regression: max and min</a:t>
+            </a:r>
+            <a:r>
+              <a:rPr lang="en-US" baseline="0" dirty="0" smtClean="0"/>
+              <a:t> ranges of Kinect and arm used to find slope and intercept for our equations</a:t>
+            </a:r>
+            <a:endParaRPr lang="en-US" dirty="0" smtClean="0"/>
+          </a:p>
+        </p:txBody>
+      </p:sp>
+      <p:sp>
+        <p:nvSpPr>
+          <p:cNvPr id="4" name="Slide Number Placeholder 3"/>
+          <p:cNvSpPr>
+            <a:spLocks noGrp="1"/>
+          </p:cNvSpPr>
+          <p:nvPr>
+            <p:ph type="sldNum" sz="quarter" idx="10"/>
+          </p:nvPr>
+        </p:nvSpPr>
+        <p:spPr/>
+        <p:txBody>
+          <a:bodyPr/>
+          <a:lstStyle/>
+          <a:p>
+            <a:fld id="{3B17A12C-C4E2-4206-8C18-BBFF2A1087F6}" type="slidenum">
+              <a:rPr lang="en-US" smtClean="0"/>
+              <a:t>12</a:t>
+            </a:fld>
+            <a:endParaRPr lang="en-US"/>
+          </a:p>
+        </p:txBody>
+      </p:sp>
+    </p:spTree>
+    <p:extLst>
+      <p:ext uri="{BB962C8B-B14F-4D97-AF65-F5344CB8AC3E}">
+        <p14:creationId xmlns:p14="http://schemas.microsoft.com/office/powerpoint/2010/main" val="3501235008"/>
+      </p:ext>
+    </p:extLst>
+  </p:cSld>
+  <p:clrMapOvr>
+    <a:masterClrMapping/>
+  </p:clrMapOvr>
+</p:notes>
+</file>
+
 <file path=ppt/slideLayouts/slideLayout1.xml><?xml version="1.0" encoding="utf-8"?>
 <p:sldLayout xmlns:a="http://schemas.openxmlformats.org/drawingml/2006/main" xmlns:r="http://schemas.openxmlformats.org/officeDocument/2006/relationships" xmlns:p="http://schemas.openxmlformats.org/presentationml/2006/main" showMasterSp="0" type="title" preserve="1">
   <p:cSld name="Title Slide">
@@ -783,7 +1057,7 @@
           <a:p>
             <a:fld id="{7903C747-3FF6-48D2-B6AA-BDBF9050E76E}" type="datetimeFigureOut">
               <a:rPr lang="en-US" smtClean="0"/>
-              <a:t>4/26/2016</a:t>
+              <a:t>5/1/2016</a:t>
             </a:fld>
             <a:endParaRPr lang="en-US"/>
           </a:p>
@@ -1113,7 +1387,7 @@
           <a:p>
             <a:fld id="{7903C747-3FF6-48D2-B6AA-BDBF9050E76E}" type="datetimeFigureOut">
               <a:rPr lang="en-US" smtClean="0"/>
-              <a:t>4/26/2016</a:t>
+              <a:t>5/1/2016</a:t>
             </a:fld>
             <a:endParaRPr lang="en-US"/>
           </a:p>
@@ -1293,7 +1567,7 @@
           <a:p>
             <a:fld id="{7903C747-3FF6-48D2-B6AA-BDBF9050E76E}" type="datetimeFigureOut">
               <a:rPr lang="en-US" smtClean="0"/>
-              <a:t>4/26/2016</a:t>
+              <a:t>5/1/2016</a:t>
             </a:fld>
             <a:endParaRPr lang="en-US"/>
           </a:p>
@@ -1463,7 +1737,7 @@
           <a:p>
             <a:fld id="{7903C747-3FF6-48D2-B6AA-BDBF9050E76E}" type="datetimeFigureOut">
               <a:rPr lang="en-US" smtClean="0"/>
-              <a:t>4/26/2016</a:t>
+              <a:t>5/1/2016</a:t>
             </a:fld>
             <a:endParaRPr lang="en-US"/>
           </a:p>
@@ -1740,7 +2014,7 @@
           <a:p>
             <a:fld id="{7903C747-3FF6-48D2-B6AA-BDBF9050E76E}" type="datetimeFigureOut">
               <a:rPr lang="en-US" smtClean="0"/>
-              <a:t>4/26/2016</a:t>
+              <a:t>5/1/2016</a:t>
             </a:fld>
             <a:endParaRPr lang="en-US"/>
           </a:p>
@@ -2190,7 +2464,7 @@
           <a:p>
             <a:fld id="{7903C747-3FF6-48D2-B6AA-BDBF9050E76E}" type="datetimeFigureOut">
               <a:rPr lang="en-US" smtClean="0"/>
-              <a:t>4/26/2016</a:t>
+              <a:t>5/1/2016</a:t>
             </a:fld>
             <a:endParaRPr lang="en-US"/>
           </a:p>
@@ -2667,7 +2941,7 @@
           <a:p>
             <a:fld id="{7903C747-3FF6-48D2-B6AA-BDBF9050E76E}" type="datetimeFigureOut">
               <a:rPr lang="en-US" smtClean="0"/>
-              <a:t>4/26/2016</a:t>
+              <a:t>5/1/2016</a:t>
             </a:fld>
             <a:endParaRPr lang="en-US"/>
           </a:p>
@@ -2785,7 +3059,7 @@
           <a:p>
             <a:fld id="{7903C747-3FF6-48D2-B6AA-BDBF9050E76E}" type="datetimeFigureOut">
               <a:rPr lang="en-US" smtClean="0"/>
-              <a:t>4/26/2016</a:t>
+              <a:t>5/1/2016</a:t>
             </a:fld>
             <a:endParaRPr lang="en-US"/>
           </a:p>
@@ -2880,7 +3154,7 @@
           <a:p>
             <a:fld id="{7903C747-3FF6-48D2-B6AA-BDBF9050E76E}" type="datetimeFigureOut">
               <a:rPr lang="en-US" smtClean="0"/>
-              <a:t>4/26/2016</a:t>
+              <a:t>5/1/2016</a:t>
             </a:fld>
             <a:endParaRPr lang="en-US"/>
           </a:p>
@@ -3228,7 +3502,7 @@
           <a:p>
             <a:fld id="{7903C747-3FF6-48D2-B6AA-BDBF9050E76E}" type="datetimeFigureOut">
               <a:rPr lang="en-US" smtClean="0"/>
-              <a:t>4/26/2016</a:t>
+              <a:t>5/1/2016</a:t>
             </a:fld>
             <a:endParaRPr lang="en-US"/>
           </a:p>
@@ -3656,7 +3930,7 @@
           <a:p>
             <a:fld id="{7903C747-3FF6-48D2-B6AA-BDBF9050E76E}" type="datetimeFigureOut">
               <a:rPr lang="en-US" smtClean="0"/>
-              <a:t>4/26/2016</a:t>
+              <a:t>5/1/2016</a:t>
             </a:fld>
             <a:endParaRPr lang="en-US"/>
           </a:p>
@@ -3972,7 +4246,7 @@
           <a:p>
             <a:fld id="{7903C747-3FF6-48D2-B6AA-BDBF9050E76E}" type="datetimeFigureOut">
               <a:rPr lang="en-US" smtClean="0"/>
-              <a:t>4/26/2016</a:t>
+              <a:t>5/1/2016</a:t>
             </a:fld>
             <a:endParaRPr lang="en-US"/>
           </a:p>
@@ -4698,27 +4972,43 @@
           <a:p>
             <a:r>
               <a:rPr lang="en-US" dirty="0" smtClean="0"/>
-              <a:t>Power</a:t>
-            </a:r>
-          </a:p>
-          <a:p>
-            <a:r>
-              <a:rPr lang="en-US" dirty="0" smtClean="0"/>
-              <a:t>Range</a:t>
-            </a:r>
-          </a:p>
-          <a:p>
-            <a:r>
-              <a:rPr lang="en-US" dirty="0" smtClean="0"/>
-              <a:t>Resolution + fps</a:t>
-            </a:r>
-          </a:p>
-          <a:p>
-            <a:r>
-              <a:rPr lang="en-US" dirty="0" smtClean="0"/>
-              <a:t>130 degree field of view</a:t>
-            </a:r>
-            <a:endParaRPr lang="en-US" dirty="0"/>
+              <a:t>1440x1080 </a:t>
+            </a:r>
+            <a:r>
+              <a:rPr lang="en-US" dirty="0"/>
+              <a:t>30fps </a:t>
+            </a:r>
+            <a:r>
+              <a:rPr lang="en-US" dirty="0" smtClean="0"/>
+              <a:t>video</a:t>
+            </a:r>
+          </a:p>
+          <a:p>
+            <a:r>
+              <a:rPr lang="en-US" dirty="0" smtClean="0"/>
+              <a:t>130 </a:t>
+            </a:r>
+            <a:r>
+              <a:rPr lang="en-US" dirty="0"/>
+              <a:t>degree field of </a:t>
+            </a:r>
+            <a:r>
+              <a:rPr lang="en-US" dirty="0" smtClean="0"/>
+              <a:t>view</a:t>
+            </a:r>
+            <a:endParaRPr lang="en-US" dirty="0" smtClean="0"/>
+          </a:p>
+          <a:p>
+            <a:r>
+              <a:rPr lang="en-US" dirty="0" smtClean="0"/>
+              <a:t>5.8GHz transmitter and receiver, 200mW transmitting power</a:t>
+            </a:r>
+          </a:p>
+          <a:p>
+            <a:r>
+              <a:rPr lang="en-US" dirty="0" smtClean="0"/>
+              <a:t>Requires 12Vdc</a:t>
+            </a:r>
           </a:p>
         </p:txBody>
       </p:sp>
@@ -4799,26 +5089,127 @@
           <a:p>
             <a:r>
               <a:rPr lang="en-US" dirty="0" smtClean="0"/>
-              <a:t>Skeletal tracking using SDK</a:t>
-            </a:r>
-          </a:p>
-          <a:p>
-            <a:r>
-              <a:rPr lang="en-US" dirty="0" smtClean="0"/>
-              <a:t>Extracting hand joint and coordinates</a:t>
-            </a:r>
-          </a:p>
-          <a:p>
-            <a:r>
-              <a:rPr lang="en-US" dirty="0" smtClean="0"/>
-              <a:t>Sending coordinates to Arduino</a:t>
-            </a:r>
-          </a:p>
-          <a:p>
-            <a:r>
-              <a:rPr lang="en-US" dirty="0" smtClean="0"/>
-              <a:t>Sending platform signals to Arduino</a:t>
-            </a:r>
+              <a:t>Skeletal </a:t>
+            </a:r>
+            <a:r>
+              <a:rPr lang="en-US" dirty="0" smtClean="0"/>
+              <a:t>tracking done </a:t>
+            </a:r>
+            <a:r>
+              <a:rPr lang="en-US" dirty="0" smtClean="0"/>
+              <a:t>using </a:t>
+            </a:r>
+            <a:r>
+              <a:rPr lang="en-US" dirty="0" smtClean="0"/>
+              <a:t>Kinect </a:t>
+            </a:r>
+            <a:r>
+              <a:rPr lang="en-US" dirty="0" smtClean="0"/>
+              <a:t>for Windows </a:t>
+            </a:r>
+            <a:r>
+              <a:rPr lang="en-US" dirty="0" smtClean="0"/>
+              <a:t>SDK v1.8</a:t>
+            </a:r>
+            <a:endParaRPr lang="en-US" dirty="0" smtClean="0"/>
+          </a:p>
+          <a:p>
+            <a:r>
+              <a:rPr lang="en-US" dirty="0" smtClean="0"/>
+              <a:t>Joint information copied from </a:t>
+            </a:r>
+            <a:r>
+              <a:rPr lang="en-US" dirty="0" err="1" smtClean="0"/>
+              <a:t>SkeletonStream</a:t>
+            </a:r>
+            <a:r>
+              <a:rPr lang="en-US" dirty="0" smtClean="0"/>
+              <a:t>.</a:t>
+            </a:r>
+          </a:p>
+          <a:p>
+            <a:pPr lvl="1"/>
+            <a:r>
+              <a:rPr lang="en-US" dirty="0" err="1" smtClean="0"/>
+              <a:t>HandRight.X</a:t>
+            </a:r>
+            <a:r>
+              <a:rPr lang="en-US" dirty="0" smtClean="0"/>
+              <a:t>, </a:t>
+            </a:r>
+            <a:r>
+              <a:rPr lang="en-US" dirty="0" err="1" smtClean="0"/>
+              <a:t>HandRight.Y</a:t>
+            </a:r>
+            <a:r>
+              <a:rPr lang="en-US" dirty="0" smtClean="0"/>
+              <a:t>, </a:t>
+            </a:r>
+            <a:r>
+              <a:rPr lang="en-US" dirty="0" err="1" smtClean="0"/>
+              <a:t>HandRight.Z</a:t>
+            </a:r>
+            <a:endParaRPr lang="en-US" dirty="0" smtClean="0"/>
+          </a:p>
+          <a:p>
+            <a:r>
+              <a:rPr lang="en-US" dirty="0" smtClean="0"/>
+              <a:t>Use serial communication to send coordinates to Arduino</a:t>
+            </a:r>
+          </a:p>
+          <a:p>
+            <a:pPr lvl="1"/>
+            <a:r>
+              <a:rPr lang="en-US" dirty="0" err="1" smtClean="0"/>
+              <a:t>arduinoPort.WriteLine</a:t>
+            </a:r>
+            <a:r>
+              <a:rPr lang="en-US" dirty="0"/>
+              <a:t>(“</a:t>
+            </a:r>
+            <a:r>
+              <a:rPr lang="en-US" dirty="0" err="1"/>
+              <a:t>HandRight,xPos,yPos,zPos</a:t>
+            </a:r>
+            <a:r>
+              <a:rPr lang="en-US" dirty="0"/>
+              <a:t>”)</a:t>
+            </a:r>
+            <a:endParaRPr lang="en-US" dirty="0" smtClean="0"/>
+          </a:p>
+          <a:p>
+            <a:r>
+              <a:rPr lang="en-US" dirty="0" smtClean="0"/>
+              <a:t>Platform and gripper input done in Kinect SDK</a:t>
+            </a:r>
+          </a:p>
+          <a:p>
+            <a:pPr lvl="1"/>
+            <a:r>
+              <a:rPr lang="en-US" dirty="0" smtClean="0"/>
+              <a:t>“forward”, “backward”, “</a:t>
+            </a:r>
+            <a:r>
+              <a:rPr lang="en-US" dirty="0" err="1" smtClean="0"/>
+              <a:t>HandOpened</a:t>
+            </a:r>
+            <a:r>
+              <a:rPr lang="en-US" dirty="0" smtClean="0"/>
+              <a:t>”, “</a:t>
+            </a:r>
+            <a:r>
+              <a:rPr lang="en-US" dirty="0" err="1" smtClean="0"/>
+              <a:t>HandClose</a:t>
+            </a:r>
+            <a:r>
+              <a:rPr lang="en-US" dirty="0" err="1" smtClean="0"/>
+              <a:t>d</a:t>
+            </a:r>
+            <a:r>
+              <a:rPr lang="en-US" dirty="0" smtClean="0"/>
+              <a:t>”</a:t>
+            </a:r>
+            <a:endParaRPr lang="en-US" dirty="0" smtClean="0"/>
           </a:p>
         </p:txBody>
       </p:sp>
@@ -4831,7 +5222,7 @@
           <p:nvPr/>
         </p:nvPicPr>
         <p:blipFill>
-          <a:blip r:embed="rId2" cstate="print">
+          <a:blip r:embed="rId3" cstate="print">
             <a:extLst>
               <a:ext uri="{28A0092B-C50C-407E-A947-70E740481C1C}">
                 <a14:useLocalDpi xmlns:a14="http://schemas.microsoft.com/office/drawing/2010/main" val="0"/>
@@ -4938,49 +5329,71 @@
             <p:ph idx="1"/>
           </p:nvPr>
         </p:nvSpPr>
-        <p:spPr/>
-        <p:txBody>
-          <a:bodyPr/>
+        <p:spPr>
+          <a:xfrm>
+            <a:off x="1028700" y="2286000"/>
+            <a:ext cx="7200900" cy="3810000"/>
+          </a:xfrm>
+        </p:spPr>
+        <p:txBody>
+          <a:bodyPr>
+            <a:normAutofit fontScale="92500" lnSpcReduction="20000"/>
+          </a:bodyPr>
           <a:lstStyle/>
           <a:p>
             <a:r>
               <a:rPr lang="en-US" dirty="0" smtClean="0"/>
-              <a:t>IK calculations – what is IK?</a:t>
-            </a:r>
-          </a:p>
-          <a:p>
-            <a:r>
-              <a:rPr lang="en-US" dirty="0" smtClean="0"/>
-              <a:t>Linear </a:t>
-            </a:r>
-            <a:r>
-              <a:rPr lang="en-US" smtClean="0"/>
-              <a:t>regression calculations</a:t>
+              <a:t>Handles calculations to convert hand coordinates into servo positions</a:t>
+            </a:r>
+          </a:p>
+          <a:p>
+            <a:r>
+              <a:rPr lang="en-US" dirty="0" smtClean="0"/>
+              <a:t>Two types of calculations: inverse kinematics (IK) and linear regression (y=mx + b)</a:t>
+            </a:r>
+          </a:p>
+          <a:p>
+            <a:r>
+              <a:rPr lang="en-US" dirty="0" smtClean="0"/>
+              <a:t>Three steps to IK calculations:</a:t>
+            </a:r>
+          </a:p>
+          <a:p>
+            <a:pPr lvl="1"/>
+            <a:r>
+              <a:rPr lang="en-US" dirty="0" smtClean="0"/>
+              <a:t>Convert Kinect coordinates to robot arm coordinates (linear regression)</a:t>
+            </a:r>
+          </a:p>
+          <a:p>
+            <a:pPr lvl="1"/>
+            <a:r>
+              <a:rPr lang="en-US" dirty="0" smtClean="0"/>
+              <a:t>Calculate servo angles from desired robot arm coordinates (IK)</a:t>
+            </a:r>
+          </a:p>
+          <a:p>
+            <a:pPr lvl="1"/>
+            <a:r>
+              <a:rPr lang="en-US" dirty="0" smtClean="0"/>
+              <a:t>Calculate servo positions from servo angles (linear regression)</a:t>
             </a:r>
             <a:endParaRPr lang="en-US" dirty="0" smtClean="0"/>
           </a:p>
           <a:p>
+            <a:r>
+              <a:rPr lang="en-US" dirty="0" smtClean="0"/>
+              <a:t>Servo commands sent through </a:t>
+            </a:r>
             <a:r>
               <a:rPr lang="en-US" dirty="0" err="1" smtClean="0"/>
               <a:t>Xbee</a:t>
             </a:r>
             <a:r>
               <a:rPr lang="en-US" dirty="0" smtClean="0"/>
-              <a:t> communication</a:t>
-            </a:r>
-          </a:p>
-          <a:p>
-            <a:r>
-              <a:rPr lang="en-US" dirty="0" smtClean="0"/>
-              <a:t>Sending commands to SSC-32U</a:t>
-            </a:r>
-          </a:p>
-          <a:p>
-            <a:r>
-              <a:rPr lang="en-US" dirty="0" smtClean="0"/>
-              <a:t>Platform control</a:t>
-            </a:r>
-            <a:endParaRPr lang="en-US" dirty="0"/>
+              <a:t> modules to SSC-32U using Software Serial</a:t>
+            </a:r>
+            <a:endParaRPr lang="en-US" dirty="0" smtClean="0"/>
           </a:p>
         </p:txBody>
       </p:sp>
@@ -5038,49 +5451,55 @@
           <a:p>
             <a:r>
               <a:rPr lang="en-US" dirty="0" smtClean="0"/>
-              <a:t>SSC-32U Commands</a:t>
+              <a:t>Inverse Kinematic Calculations</a:t>
             </a:r>
             <a:endParaRPr lang="en-US" dirty="0"/>
           </a:p>
         </p:txBody>
       </p:sp>
-      <p:sp>
-        <p:nvSpPr>
-          <p:cNvPr id="3" name="Content Placeholder 2"/>
-          <p:cNvSpPr>
-            <a:spLocks noGrp="1"/>
-          </p:cNvSpPr>
+      <p:pic>
+        <p:nvPicPr>
+          <p:cNvPr id="4" name="Content Placeholder 3"/>
+          <p:cNvPicPr>
+            <a:picLocks noGrp="1"/>
+          </p:cNvPicPr>
           <p:nvPr>
             <p:ph idx="1"/>
           </p:nvPr>
-        </p:nvSpPr>
-        <p:spPr/>
-        <p:txBody>
-          <a:bodyPr/>
-          <a:lstStyle/>
-          <a:p>
-            <a:r>
-              <a:rPr lang="en-US" dirty="0" smtClean="0"/>
-              <a:t>Receive commands from Arduino through </a:t>
-            </a:r>
-            <a:r>
-              <a:rPr lang="en-US" dirty="0" err="1" smtClean="0"/>
-              <a:t>Xbee</a:t>
-            </a:r>
-            <a:endParaRPr lang="en-US" dirty="0"/>
-          </a:p>
-        </p:txBody>
-      </p:sp>
+        </p:nvPicPr>
+        <p:blipFill>
+          <a:blip r:embed="rId2"/>
+          <a:stretch>
+            <a:fillRect/>
+          </a:stretch>
+        </p:blipFill>
+        <p:spPr>
+          <a:xfrm>
+            <a:off x="931068" y="2590800"/>
+            <a:ext cx="7396163" cy="3190875"/>
+          </a:xfrm>
+          <a:prstGeom prst="rect">
+            <a:avLst/>
+          </a:prstGeom>
+        </p:spPr>
+      </p:pic>
     </p:spTree>
     <p:extLst>
       <p:ext uri="{BB962C8B-B14F-4D97-AF65-F5344CB8AC3E}">
-        <p14:creationId xmlns:p14="http://schemas.microsoft.com/office/powerpoint/2010/main" val="2061726145"/>
+        <p14:creationId xmlns:p14="http://schemas.microsoft.com/office/powerpoint/2010/main" val="4031873267"/>
       </p:ext>
     </p:extLst>
   </p:cSld>
   <p:clrMapOvr>
     <a:masterClrMapping/>
   </p:clrMapOvr>
+  <p:timing>
+    <p:tnLst>
+      <p:par>
+        <p:cTn id="1" dur="indefinite" restart="never" nodeType="tmRoot"/>
+      </p:par>
+    </p:tnLst>
+  </p:timing>
 </p:sld>
 </file>
 
@@ -5124,80 +5543,620 @@
           </a:p>
         </p:txBody>
       </p:sp>
-      <p:sp>
-        <p:nvSpPr>
-          <p:cNvPr id="3" name="Content Placeholder 2"/>
-          <p:cNvSpPr>
-            <a:spLocks noGrp="1"/>
-          </p:cNvSpPr>
+      <p:graphicFrame>
+        <p:nvGraphicFramePr>
+          <p:cNvPr id="6" name="Content Placeholder 5"/>
+          <p:cNvGraphicFramePr>
+            <a:graphicFrameLocks noGrp="1"/>
+          </p:cNvGraphicFramePr>
           <p:nvPr>
             <p:ph idx="1"/>
-          </p:nvPr>
-        </p:nvSpPr>
-        <p:spPr/>
-        <p:txBody>
-          <a:bodyPr/>
+            <p:extLst>
+              <p:ext uri="{D42A27DB-BD31-4B8C-83A1-F6EECF244321}">
+                <p14:modId xmlns:p14="http://schemas.microsoft.com/office/powerpoint/2010/main" val="587188822"/>
+              </p:ext>
+            </p:extLst>
+          </p:nvPr>
+        </p:nvGraphicFramePr>
+        <p:xfrm>
+          <a:off x="1028700" y="2286000"/>
+          <a:ext cx="7200900" cy="3495040"/>
+        </p:xfrm>
+        <a:graphic>
+          <a:graphicData uri="http://schemas.openxmlformats.org/drawingml/2006/table">
+            <a:tbl>
+              <a:tblPr firstRow="1" bandRow="1">
+                <a:tableStyleId>{5C22544A-7EE6-4342-B048-85BDC9FD1C3A}</a:tableStyleId>
+              </a:tblPr>
+              <a:tblGrid>
+                <a:gridCol w="1800225"/>
+                <a:gridCol w="1800225"/>
+                <a:gridCol w="1800225"/>
+                <a:gridCol w="1800225"/>
+              </a:tblGrid>
+              <a:tr h="370840">
+                <a:tc>
+                  <a:txBody>
+                    <a:bodyPr/>
+                    <a:lstStyle/>
+                    <a:p>
+                      <a:pPr algn="ctr"/>
+                      <a:r>
+                        <a:rPr lang="en-US" dirty="0" smtClean="0"/>
+                        <a:t>Part</a:t>
+                      </a:r>
+                      <a:endParaRPr lang="en-US" dirty="0"/>
+                    </a:p>
+                  </a:txBody>
+                  <a:tcPr anchor="ctr"/>
+                </a:tc>
+                <a:tc>
+                  <a:txBody>
+                    <a:bodyPr/>
+                    <a:lstStyle/>
+                    <a:p>
+                      <a:pPr algn="ctr"/>
+                      <a:r>
+                        <a:rPr lang="en-US" dirty="0" smtClean="0"/>
+                        <a:t>Cost</a:t>
+                      </a:r>
+                      <a:endParaRPr lang="en-US" dirty="0"/>
+                    </a:p>
+                  </a:txBody>
+                  <a:tcPr anchor="ctr"/>
+                </a:tc>
+                <a:tc>
+                  <a:txBody>
+                    <a:bodyPr/>
+                    <a:lstStyle/>
+                    <a:p>
+                      <a:pPr algn="ctr"/>
+                      <a:r>
+                        <a:rPr lang="en-US" dirty="0" smtClean="0"/>
+                        <a:t>Part</a:t>
+                      </a:r>
+                      <a:endParaRPr lang="en-US" dirty="0"/>
+                    </a:p>
+                  </a:txBody>
+                  <a:tcPr anchor="ctr"/>
+                </a:tc>
+                <a:tc>
+                  <a:txBody>
+                    <a:bodyPr/>
+                    <a:lstStyle/>
+                    <a:p>
+                      <a:pPr algn="ctr"/>
+                      <a:r>
+                        <a:rPr lang="en-US" dirty="0" smtClean="0"/>
+                        <a:t>Cost</a:t>
+                      </a:r>
+                      <a:endParaRPr lang="en-US" dirty="0"/>
+                    </a:p>
+                  </a:txBody>
+                  <a:tcPr anchor="ctr"/>
+                </a:tc>
+              </a:tr>
+              <a:tr h="370840">
+                <a:tc>
+                  <a:txBody>
+                    <a:bodyPr/>
+                    <a:lstStyle/>
+                    <a:p>
+                      <a:pPr algn="ctr"/>
+                      <a:r>
+                        <a:rPr lang="en-US" dirty="0" smtClean="0"/>
+                        <a:t>6V</a:t>
+                      </a:r>
+                      <a:r>
+                        <a:rPr lang="en-US" baseline="0" dirty="0" smtClean="0"/>
+                        <a:t> Battery + Charger</a:t>
+                      </a:r>
+                      <a:endParaRPr lang="en-US" dirty="0"/>
+                    </a:p>
+                  </a:txBody>
+                  <a:tcPr anchor="ctr"/>
+                </a:tc>
+                <a:tc>
+                  <a:txBody>
+                    <a:bodyPr/>
+                    <a:lstStyle/>
+                    <a:p>
+                      <a:pPr algn="ctr"/>
+                      <a:r>
+                        <a:rPr lang="en-US" dirty="0" smtClean="0"/>
+                        <a:t>$24.00</a:t>
+                      </a:r>
+                      <a:endParaRPr lang="en-US" dirty="0"/>
+                    </a:p>
+                  </a:txBody>
+                  <a:tcPr anchor="ctr"/>
+                </a:tc>
+                <a:tc>
+                  <a:txBody>
+                    <a:bodyPr/>
+                    <a:lstStyle/>
+                    <a:p>
+                      <a:pPr algn="ctr"/>
+                      <a:r>
+                        <a:rPr lang="en-US" dirty="0" smtClean="0"/>
+                        <a:t>2.4GHz</a:t>
+                      </a:r>
+                      <a:r>
+                        <a:rPr lang="en-US" baseline="0" dirty="0" smtClean="0"/>
+                        <a:t> </a:t>
+                      </a:r>
+                      <a:r>
+                        <a:rPr lang="en-US" baseline="0" dirty="0" err="1" smtClean="0"/>
+                        <a:t>Xbee</a:t>
+                      </a:r>
+                      <a:r>
+                        <a:rPr lang="en-US" baseline="0" dirty="0" smtClean="0"/>
+                        <a:t> Modules (x2)</a:t>
+                      </a:r>
+                      <a:endParaRPr lang="en-US" dirty="0"/>
+                    </a:p>
+                  </a:txBody>
+                  <a:tcPr anchor="ctr"/>
+                </a:tc>
+                <a:tc>
+                  <a:txBody>
+                    <a:bodyPr/>
+                    <a:lstStyle/>
+                    <a:p>
+                      <a:pPr algn="ctr"/>
+                      <a:r>
+                        <a:rPr lang="en-US" dirty="0" smtClean="0"/>
+                        <a:t>$50.00</a:t>
+                      </a:r>
+                      <a:endParaRPr lang="en-US" dirty="0"/>
+                    </a:p>
+                  </a:txBody>
+                  <a:tcPr anchor="ctr"/>
+                </a:tc>
+              </a:tr>
+              <a:tr h="370840">
+                <a:tc>
+                  <a:txBody>
+                    <a:bodyPr/>
+                    <a:lstStyle/>
+                    <a:p>
+                      <a:pPr algn="ctr"/>
+                      <a:r>
+                        <a:rPr lang="en-US" dirty="0" smtClean="0"/>
+                        <a:t>12V Battery + Charger</a:t>
+                      </a:r>
+                      <a:endParaRPr lang="en-US" dirty="0"/>
+                    </a:p>
+                  </a:txBody>
+                  <a:tcPr anchor="ctr"/>
+                </a:tc>
+                <a:tc>
+                  <a:txBody>
+                    <a:bodyPr/>
+                    <a:lstStyle/>
+                    <a:p>
+                      <a:pPr algn="ctr"/>
+                      <a:r>
+                        <a:rPr lang="en-US" dirty="0" smtClean="0"/>
+                        <a:t>$24.00</a:t>
+                      </a:r>
+                      <a:endParaRPr lang="en-US" dirty="0"/>
+                    </a:p>
+                  </a:txBody>
+                  <a:tcPr anchor="ctr"/>
+                </a:tc>
+                <a:tc>
+                  <a:txBody>
+                    <a:bodyPr/>
+                    <a:lstStyle/>
+                    <a:p>
+                      <a:pPr algn="ctr"/>
+                      <a:r>
+                        <a:rPr lang="en-US" dirty="0" err="1" smtClean="0"/>
+                        <a:t>Xbee</a:t>
+                      </a:r>
+                      <a:r>
+                        <a:rPr lang="en-US" dirty="0" smtClean="0"/>
+                        <a:t> Adapter</a:t>
+                      </a:r>
+                      <a:endParaRPr lang="en-US" dirty="0"/>
+                    </a:p>
+                  </a:txBody>
+                  <a:tcPr anchor="ctr"/>
+                </a:tc>
+                <a:tc>
+                  <a:txBody>
+                    <a:bodyPr/>
+                    <a:lstStyle/>
+                    <a:p>
+                      <a:pPr algn="ctr"/>
+                      <a:r>
+                        <a:rPr lang="en-US" dirty="0" smtClean="0"/>
+                        <a:t>$10.00</a:t>
+                      </a:r>
+                      <a:endParaRPr lang="en-US" dirty="0"/>
+                    </a:p>
+                  </a:txBody>
+                  <a:tcPr anchor="ctr"/>
+                </a:tc>
+              </a:tr>
+              <a:tr h="370840">
+                <a:tc>
+                  <a:txBody>
+                    <a:bodyPr/>
+                    <a:lstStyle/>
+                    <a:p>
+                      <a:pPr algn="ctr"/>
+                      <a:r>
+                        <a:rPr lang="en-US" dirty="0" err="1" smtClean="0"/>
+                        <a:t>Lynxmotion</a:t>
+                      </a:r>
+                      <a:r>
+                        <a:rPr lang="en-US" dirty="0" smtClean="0"/>
+                        <a:t> AL5D</a:t>
+                      </a:r>
+                      <a:endParaRPr lang="en-US" dirty="0"/>
+                    </a:p>
+                  </a:txBody>
+                  <a:tcPr anchor="ctr"/>
+                </a:tc>
+                <a:tc>
+                  <a:txBody>
+                    <a:bodyPr/>
+                    <a:lstStyle/>
+                    <a:p>
+                      <a:pPr algn="ctr"/>
+                      <a:r>
+                        <a:rPr lang="en-US" dirty="0" smtClean="0"/>
+                        <a:t>$310.00</a:t>
+                      </a:r>
+                      <a:endParaRPr lang="en-US" dirty="0"/>
+                    </a:p>
+                  </a:txBody>
+                  <a:tcPr anchor="ctr"/>
+                </a:tc>
+                <a:tc>
+                  <a:txBody>
+                    <a:bodyPr/>
+                    <a:lstStyle/>
+                    <a:p>
+                      <a:pPr algn="ctr"/>
+                      <a:r>
+                        <a:rPr lang="en-US" dirty="0" smtClean="0"/>
+                        <a:t>Microsoft</a:t>
+                      </a:r>
+                      <a:r>
+                        <a:rPr lang="en-US" baseline="0" dirty="0" smtClean="0"/>
+                        <a:t> Kinect</a:t>
+                      </a:r>
+                      <a:endParaRPr lang="en-US" dirty="0"/>
+                    </a:p>
+                  </a:txBody>
+                  <a:tcPr anchor="ctr"/>
+                </a:tc>
+                <a:tc>
+                  <a:txBody>
+                    <a:bodyPr/>
+                    <a:lstStyle/>
+                    <a:p>
+                      <a:pPr algn="ctr"/>
+                      <a:r>
+                        <a:rPr lang="en-US" dirty="0" smtClean="0"/>
+                        <a:t>$110.00</a:t>
+                      </a:r>
+                      <a:r>
+                        <a:rPr lang="en-US" baseline="0" dirty="0" smtClean="0"/>
+                        <a:t>*</a:t>
+                      </a:r>
+                      <a:endParaRPr lang="en-US" dirty="0"/>
+                    </a:p>
+                  </a:txBody>
+                  <a:tcPr anchor="ctr"/>
+                </a:tc>
+              </a:tr>
+              <a:tr h="370840">
+                <a:tc>
+                  <a:txBody>
+                    <a:bodyPr/>
+                    <a:lstStyle/>
+                    <a:p>
+                      <a:pPr algn="ctr"/>
+                      <a:r>
+                        <a:rPr lang="en-US" dirty="0" smtClean="0"/>
+                        <a:t>Platform Components</a:t>
+                      </a:r>
+                      <a:endParaRPr lang="en-US" dirty="0"/>
+                    </a:p>
+                  </a:txBody>
+                  <a:tcPr anchor="ctr"/>
+                </a:tc>
+                <a:tc>
+                  <a:txBody>
+                    <a:bodyPr/>
+                    <a:lstStyle/>
+                    <a:p>
+                      <a:pPr algn="ctr"/>
+                      <a:r>
+                        <a:rPr lang="en-US" dirty="0" smtClean="0"/>
+                        <a:t>$48.00</a:t>
+                      </a:r>
+                      <a:endParaRPr lang="en-US" dirty="0"/>
+                    </a:p>
+                  </a:txBody>
+                  <a:tcPr anchor="ctr"/>
+                </a:tc>
+                <a:tc>
+                  <a:txBody>
+                    <a:bodyPr/>
+                    <a:lstStyle/>
+                    <a:p>
+                      <a:pPr algn="ctr"/>
+                      <a:r>
+                        <a:rPr lang="en-US" dirty="0" err="1" smtClean="0"/>
+                        <a:t>Boscam</a:t>
+                      </a:r>
+                      <a:r>
+                        <a:rPr lang="en-US" dirty="0" smtClean="0"/>
+                        <a:t> 5.8GHz</a:t>
+                      </a:r>
+                      <a:r>
+                        <a:rPr lang="en-US" baseline="0" dirty="0" smtClean="0"/>
+                        <a:t> Transmitter + Camera</a:t>
+                      </a:r>
+                      <a:endParaRPr lang="en-US" dirty="0"/>
+                    </a:p>
+                  </a:txBody>
+                  <a:tcPr anchor="ctr"/>
+                </a:tc>
+                <a:tc>
+                  <a:txBody>
+                    <a:bodyPr/>
+                    <a:lstStyle/>
+                    <a:p>
+                      <a:pPr algn="ctr"/>
+                      <a:r>
+                        <a:rPr lang="en-US" dirty="0" smtClean="0"/>
+                        <a:t>$59.99</a:t>
+                      </a:r>
+                      <a:endParaRPr lang="en-US" dirty="0"/>
+                    </a:p>
+                  </a:txBody>
+                  <a:tcPr anchor="ctr"/>
+                </a:tc>
+              </a:tr>
+              <a:tr h="370840">
+                <a:tc>
+                  <a:txBody>
+                    <a:bodyPr/>
+                    <a:lstStyle/>
+                    <a:p>
+                      <a:pPr algn="ctr"/>
+                      <a:r>
+                        <a:rPr lang="en-US" dirty="0" err="1" smtClean="0"/>
+                        <a:t>FeeTech</a:t>
+                      </a:r>
+                      <a:r>
+                        <a:rPr lang="en-US" dirty="0" smtClean="0"/>
+                        <a:t> Continuous Rotation Servos (x4)</a:t>
+                      </a:r>
+                      <a:endParaRPr lang="en-US" dirty="0"/>
+                    </a:p>
+                  </a:txBody>
+                  <a:tcPr anchor="ctr"/>
+                </a:tc>
+                <a:tc>
+                  <a:txBody>
+                    <a:bodyPr/>
+                    <a:lstStyle/>
+                    <a:p>
+                      <a:pPr algn="ctr"/>
+                      <a:r>
+                        <a:rPr lang="en-US" dirty="0" smtClean="0"/>
+                        <a:t>$47.80</a:t>
+                      </a:r>
+                      <a:endParaRPr lang="en-US" dirty="0"/>
+                    </a:p>
+                  </a:txBody>
+                  <a:tcPr anchor="ctr"/>
+                </a:tc>
+                <a:tc>
+                  <a:txBody>
+                    <a:bodyPr/>
+                    <a:lstStyle/>
+                    <a:p>
+                      <a:pPr algn="ctr"/>
+                      <a:r>
+                        <a:rPr lang="en-US" dirty="0" err="1" smtClean="0"/>
+                        <a:t>Boscam</a:t>
+                      </a:r>
+                      <a:r>
+                        <a:rPr lang="en-US" dirty="0" smtClean="0"/>
+                        <a:t> 5.8GHz Receiver</a:t>
+                      </a:r>
+                      <a:endParaRPr lang="en-US" dirty="0"/>
+                    </a:p>
+                  </a:txBody>
+                  <a:tcPr anchor="ctr"/>
+                </a:tc>
+                <a:tc>
+                  <a:txBody>
+                    <a:bodyPr/>
+                    <a:lstStyle/>
+                    <a:p>
+                      <a:pPr algn="ctr"/>
+                      <a:r>
+                        <a:rPr lang="en-US" dirty="0" smtClean="0"/>
+                        <a:t>$17.98</a:t>
+                      </a:r>
+                      <a:endParaRPr lang="en-US" dirty="0"/>
+                    </a:p>
+                  </a:txBody>
+                  <a:tcPr anchor="ctr"/>
+                </a:tc>
+              </a:tr>
+              <a:tr h="370840">
+                <a:tc>
+                  <a:txBody>
+                    <a:bodyPr/>
+                    <a:lstStyle/>
+                    <a:p>
+                      <a:pPr algn="ctr"/>
+                      <a:r>
+                        <a:rPr lang="en-US" dirty="0" err="1" smtClean="0"/>
+                        <a:t>Adafruit</a:t>
+                      </a:r>
+                      <a:r>
+                        <a:rPr lang="en-US" dirty="0" smtClean="0"/>
+                        <a:t> Servo Wheels (x4)</a:t>
+                      </a:r>
+                      <a:endParaRPr lang="en-US" dirty="0"/>
+                    </a:p>
+                  </a:txBody>
+                  <a:tcPr anchor="ctr"/>
+                </a:tc>
+                <a:tc>
+                  <a:txBody>
+                    <a:bodyPr/>
+                    <a:lstStyle/>
+                    <a:p>
+                      <a:pPr algn="ctr"/>
+                      <a:r>
+                        <a:rPr lang="en-US" dirty="0" smtClean="0"/>
+                        <a:t>$11.80</a:t>
+                      </a:r>
+                      <a:endParaRPr lang="en-US" dirty="0"/>
+                    </a:p>
+                  </a:txBody>
+                  <a:tcPr anchor="ctr"/>
+                </a:tc>
+                <a:tc>
+                  <a:txBody>
+                    <a:bodyPr/>
+                    <a:lstStyle/>
+                    <a:p>
+                      <a:pPr algn="ctr"/>
+                      <a:r>
+                        <a:rPr lang="en-US" dirty="0" smtClean="0"/>
+                        <a:t>AV to</a:t>
+                      </a:r>
+                      <a:r>
+                        <a:rPr lang="en-US" baseline="0" dirty="0" smtClean="0"/>
+                        <a:t> VGA Converter</a:t>
+                      </a:r>
+                      <a:endParaRPr lang="en-US" dirty="0"/>
+                    </a:p>
+                  </a:txBody>
+                  <a:tcPr anchor="ctr"/>
+                </a:tc>
+                <a:tc>
+                  <a:txBody>
+                    <a:bodyPr/>
+                    <a:lstStyle/>
+                    <a:p>
+                      <a:pPr algn="ctr"/>
+                      <a:r>
+                        <a:rPr lang="en-US" dirty="0" smtClean="0"/>
+                        <a:t>$18.00</a:t>
+                      </a:r>
+                      <a:endParaRPr lang="en-US" dirty="0"/>
+                    </a:p>
+                  </a:txBody>
+                  <a:tcPr anchor="ctr"/>
+                </a:tc>
+              </a:tr>
+              <a:tr h="370840">
+                <a:tc>
+                  <a:txBody>
+                    <a:bodyPr/>
+                    <a:lstStyle/>
+                    <a:p>
+                      <a:pPr algn="ctr"/>
+                      <a:r>
+                        <a:rPr lang="en-US" dirty="0" smtClean="0"/>
+                        <a:t>Arduino Uno</a:t>
+                      </a:r>
+                      <a:endParaRPr lang="en-US" dirty="0"/>
+                    </a:p>
+                  </a:txBody>
+                  <a:tcPr anchor="ctr"/>
+                </a:tc>
+                <a:tc>
+                  <a:txBody>
+                    <a:bodyPr/>
+                    <a:lstStyle/>
+                    <a:p>
+                      <a:pPr algn="ctr"/>
+                      <a:r>
+                        <a:rPr lang="en-US" dirty="0" smtClean="0"/>
+                        <a:t>$25.00</a:t>
+                      </a:r>
+                      <a:endParaRPr lang="en-US" dirty="0"/>
+                    </a:p>
+                  </a:txBody>
+                  <a:tcPr anchor="ctr"/>
+                </a:tc>
+                <a:tc>
+                  <a:txBody>
+                    <a:bodyPr/>
+                    <a:lstStyle/>
+                    <a:p>
+                      <a:pPr algn="ctr"/>
+                      <a:r>
+                        <a:rPr lang="en-US" b="1" dirty="0" smtClean="0"/>
+                        <a:t>Total</a:t>
+                      </a:r>
+                      <a:endParaRPr lang="en-US" b="1" dirty="0"/>
+                    </a:p>
+                  </a:txBody>
+                  <a:tcPr anchor="ctr"/>
+                </a:tc>
+                <a:tc>
+                  <a:txBody>
+                    <a:bodyPr/>
+                    <a:lstStyle/>
+                    <a:p>
+                      <a:pPr algn="ctr"/>
+                      <a:r>
+                        <a:rPr lang="en-US" b="1" dirty="0" smtClean="0"/>
+                        <a:t>$647.17</a:t>
+                      </a:r>
+                      <a:endParaRPr lang="en-US" b="1" dirty="0"/>
+                    </a:p>
+                  </a:txBody>
+                  <a:tcPr anchor="ctr"/>
+                </a:tc>
+              </a:tr>
+            </a:tbl>
+          </a:graphicData>
+        </a:graphic>
+      </p:graphicFrame>
+      <p:sp>
+        <p:nvSpPr>
+          <p:cNvPr id="7" name="TextBox 6"/>
+          <p:cNvSpPr txBox="1"/>
+          <p:nvPr/>
+        </p:nvSpPr>
+        <p:spPr>
+          <a:xfrm>
+            <a:off x="1028700" y="5791200"/>
+            <a:ext cx="7200900" cy="307777"/>
+          </a:xfrm>
+          <a:prstGeom prst="rect">
+            <a:avLst/>
+          </a:prstGeom>
+          <a:noFill/>
+        </p:spPr>
+        <p:txBody>
+          <a:bodyPr wrap="square" rtlCol="0">
+            <a:spAutoFit/>
+          </a:bodyPr>
           <a:lstStyle/>
           <a:p>
             <a:r>
-              <a:rPr lang="en-US" dirty="0" smtClean="0"/>
-              <a:t>Kinect – free</a:t>
-            </a:r>
-          </a:p>
-          <a:p>
-            <a:r>
-              <a:rPr lang="en-US" dirty="0" smtClean="0"/>
-              <a:t>Arduino Uno + Shield</a:t>
-            </a:r>
-          </a:p>
-          <a:p>
-            <a:r>
-              <a:rPr lang="en-US" dirty="0" err="1" smtClean="0"/>
-              <a:t>Xbee</a:t>
-            </a:r>
-            <a:r>
-              <a:rPr lang="en-US" dirty="0" smtClean="0"/>
-              <a:t> modules</a:t>
-            </a:r>
-          </a:p>
-          <a:p>
-            <a:r>
-              <a:rPr lang="en-US" dirty="0" smtClean="0"/>
-              <a:t>Platform</a:t>
-            </a:r>
-          </a:p>
-          <a:p>
-            <a:r>
-              <a:rPr lang="en-US" dirty="0" err="1" smtClean="0"/>
-              <a:t>Lynxmotion</a:t>
-            </a:r>
-            <a:r>
-              <a:rPr lang="en-US" dirty="0" smtClean="0"/>
-              <a:t> AL5D</a:t>
-            </a:r>
-          </a:p>
-          <a:p>
-            <a:r>
-              <a:rPr lang="en-US" dirty="0" smtClean="0"/>
-              <a:t>Camera</a:t>
-            </a:r>
-          </a:p>
-          <a:p>
-            <a:r>
-              <a:rPr lang="en-US" dirty="0" smtClean="0"/>
-              <a:t>5.8 GHz receiver + adapter</a:t>
-            </a:r>
-          </a:p>
-          <a:p>
-            <a:r>
-              <a:rPr lang="en-US" dirty="0" smtClean="0"/>
-              <a:t>Batteries </a:t>
-            </a:r>
-            <a:r>
-              <a:rPr lang="en-US" smtClean="0"/>
-              <a:t>+ charger</a:t>
-            </a:r>
-            <a:endParaRPr lang="en-US" dirty="0" smtClean="0"/>
+              <a:rPr lang="en-US" sz="1400" i="1" dirty="0" smtClean="0"/>
+              <a:t>* Kinect was already owned by a group member – not included in total price</a:t>
+            </a:r>
+            <a:endParaRPr lang="en-US" sz="1400" i="1" dirty="0"/>
           </a:p>
         </p:txBody>
       </p:sp>
@@ -5471,11 +6430,7 @@
           <a:p>
             <a:r>
               <a:rPr lang="en-US" sz="2800" dirty="0" smtClean="0"/>
-              <a:t>Create a robot arm </a:t>
-            </a:r>
-            <a:r>
-              <a:rPr lang="en-US" sz="2800" dirty="0" smtClean="0"/>
-              <a:t>that is controlled by motion tracking</a:t>
+              <a:t>Create a robot arm that is controlled by motion tracking</a:t>
             </a:r>
           </a:p>
           <a:p>
@@ -5483,20 +6438,11 @@
               <a:rPr lang="en-US" sz="2800" dirty="0" smtClean="0"/>
               <a:t>Arm and platform can be controlled from a distance</a:t>
             </a:r>
-            <a:endParaRPr lang="en-US" sz="2800" dirty="0" smtClean="0"/>
           </a:p>
           <a:p>
             <a:r>
               <a:rPr lang="en-US" sz="2800" dirty="0" smtClean="0"/>
-              <a:t>Prototype </a:t>
-            </a:r>
-            <a:r>
-              <a:rPr lang="en-US" sz="2800" dirty="0" smtClean="0"/>
-              <a:t>for </a:t>
-            </a:r>
-            <a:r>
-              <a:rPr lang="en-US" sz="2800" dirty="0" smtClean="0"/>
-              <a:t>possible use in situations unsafe for humans</a:t>
+              <a:t>Prototype for possible use in situations unsafe for humans</a:t>
             </a:r>
           </a:p>
         </p:txBody>
@@ -5958,8 +6904,20 @@
           <a:p>
             <a:r>
               <a:rPr lang="en-US" dirty="0" smtClean="0"/>
-              <a:t>Accepts string commands</a:t>
-            </a:r>
+              <a:t>Accepts string </a:t>
+            </a:r>
+            <a:r>
+              <a:rPr lang="en-US" dirty="0" smtClean="0"/>
+              <a:t>commands</a:t>
+            </a:r>
+          </a:p>
+          <a:p>
+            <a:pPr lvl="1"/>
+            <a:r>
+              <a:rPr lang="en-US" dirty="0" smtClean="0"/>
+              <a:t>#0 P1500 S500 T1000</a:t>
+            </a:r>
+            <a:endParaRPr lang="en-US" dirty="0" smtClean="0"/>
           </a:p>
           <a:p>
             <a:r>
@@ -5970,18 +6928,51 @@
           <a:p>
             <a:r>
               <a:rPr lang="en-US" dirty="0" smtClean="0"/>
-              <a:t>Power requirements</a:t>
-            </a:r>
-          </a:p>
-          <a:p>
-            <a:r>
-              <a:rPr lang="en-US" dirty="0" smtClean="0"/>
-              <a:t>9600 Baud rate</a:t>
+              <a:t>Requires 6Vdc</a:t>
+            </a:r>
+            <a:endParaRPr lang="en-US" dirty="0" smtClean="0"/>
+          </a:p>
+          <a:p>
+            <a:r>
+              <a:rPr lang="en-US" dirty="0" smtClean="0"/>
+              <a:t>We use 9600 </a:t>
+            </a:r>
+            <a:r>
+              <a:rPr lang="en-US" dirty="0" smtClean="0"/>
+              <a:t>Baud rate</a:t>
             </a:r>
             <a:endParaRPr lang="en-US" dirty="0"/>
           </a:p>
         </p:txBody>
       </p:sp>
+      <p:pic>
+        <p:nvPicPr>
+          <p:cNvPr id="4" name="Picture 3"/>
+          <p:cNvPicPr/>
+          <p:nvPr/>
+        </p:nvPicPr>
+        <p:blipFill>
+          <a:blip r:embed="rId2">
+            <a:extLst>
+              <a:ext uri="{28A0092B-C50C-407E-A947-70E740481C1C}">
+                <a14:useLocalDpi xmlns:a14="http://schemas.microsoft.com/office/drawing/2010/main" val="0"/>
+              </a:ext>
+            </a:extLst>
+          </a:blip>
+          <a:stretch>
+            <a:fillRect/>
+          </a:stretch>
+        </p:blipFill>
+        <p:spPr>
+          <a:xfrm>
+            <a:off x="3073558" y="4419600"/>
+            <a:ext cx="3111183" cy="2121881"/>
+          </a:xfrm>
+          <a:prstGeom prst="rect">
+            <a:avLst/>
+          </a:prstGeom>
+        </p:spPr>
+      </p:pic>
     </p:spTree>
     <p:extLst>
       <p:ext uri="{BB962C8B-B14F-4D97-AF65-F5344CB8AC3E}">
@@ -6058,6 +7049,12 @@
           <a:lstStyle/>
           <a:p>
             <a:r>
+              <a:rPr lang="en-US" dirty="0"/>
+              <a:t>One aluminum panel and two aluminum channels make up the frame</a:t>
+            </a:r>
+          </a:p>
+          <a:p>
+            <a:r>
               <a:rPr lang="en-US" dirty="0" smtClean="0"/>
               <a:t>Four </a:t>
             </a:r>
@@ -6067,18 +7064,61 @@
             </a:r>
             <a:r>
               <a:rPr lang="en-US" dirty="0" smtClean="0"/>
-              <a:t> continuous servos, one for each wheel (4WD)</a:t>
-            </a:r>
-          </a:p>
-          <a:p>
-            <a:r>
-              <a:rPr lang="en-US" dirty="0" smtClean="0"/>
-              <a:t>One aluminum panel and two aluminum channels</a:t>
-            </a:r>
-            <a:endParaRPr lang="en-US" dirty="0"/>
-          </a:p>
-        </p:txBody>
-      </p:sp>
+              <a:t> continuous servos, one for each wheel (4WD</a:t>
+            </a:r>
+            <a:r>
+              <a:rPr lang="en-US" dirty="0" smtClean="0"/>
+              <a:t>)</a:t>
+            </a:r>
+          </a:p>
+          <a:p>
+            <a:r>
+              <a:rPr lang="en-US" dirty="0" smtClean="0"/>
+              <a:t>Controlled by SSC-32U</a:t>
+            </a:r>
+          </a:p>
+          <a:p>
+            <a:r>
+              <a:rPr lang="en-US" dirty="0" err="1" smtClean="0"/>
+              <a:t>Boscam</a:t>
+            </a:r>
+            <a:r>
+              <a:rPr lang="en-US" dirty="0" smtClean="0"/>
+              <a:t> 5.8 GHz transmitter and receiver</a:t>
+            </a:r>
+            <a:endParaRPr lang="en-US" dirty="0" smtClean="0"/>
+          </a:p>
+        </p:txBody>
+      </p:sp>
+      <p:pic>
+        <p:nvPicPr>
+          <p:cNvPr id="4" name="Picture 3"/>
+          <p:cNvPicPr>
+            <a:picLocks noChangeAspect="1"/>
+          </p:cNvPicPr>
+          <p:nvPr/>
+        </p:nvPicPr>
+        <p:blipFill rotWithShape="1">
+          <a:blip r:embed="rId2" cstate="print">
+            <a:extLst>
+              <a:ext uri="{28A0092B-C50C-407E-A947-70E740481C1C}">
+                <a14:useLocalDpi xmlns:a14="http://schemas.microsoft.com/office/drawing/2010/main" val="0"/>
+              </a:ext>
+            </a:extLst>
+          </a:blip>
+          <a:srcRect l="28000" t="24064" r="26667" b="23797"/>
+          <a:stretch/>
+        </p:blipFill>
+        <p:spPr>
+          <a:xfrm>
+            <a:off x="3352800" y="4419600"/>
+            <a:ext cx="2990850" cy="2287120"/>
+          </a:xfrm>
+          <a:prstGeom prst="rect">
+            <a:avLst/>
+          </a:prstGeom>
+        </p:spPr>
+      </p:pic>
     </p:spTree>
     <p:extLst>
       <p:ext uri="{BB962C8B-B14F-4D97-AF65-F5344CB8AC3E}">
@@ -6156,14 +7196,61 @@
           <a:p>
             <a:r>
               <a:rPr lang="en-US" dirty="0" smtClean="0"/>
-              <a:t>ATmega328 processor</a:t>
-            </a:r>
-          </a:p>
-          <a:p>
-            <a:r>
-              <a:rPr lang="en-US" dirty="0" smtClean="0"/>
-              <a:t>I/O pins</a:t>
-            </a:r>
+              <a:t>Uses an ATmega328 </a:t>
+            </a:r>
+            <a:r>
+              <a:rPr lang="en-US" dirty="0" smtClean="0"/>
+              <a:t>processor</a:t>
+            </a:r>
+          </a:p>
+          <a:p>
+            <a:r>
+              <a:rPr lang="en-US" dirty="0" smtClean="0"/>
+              <a:t>Pins 0 and 1 used as Rx and </a:t>
+            </a:r>
+            <a:r>
+              <a:rPr lang="en-US" dirty="0" err="1" smtClean="0"/>
+              <a:t>Tx</a:t>
+            </a:r>
+            <a:r>
+              <a:rPr lang="en-US" dirty="0" smtClean="0"/>
+              <a:t> for serial communication </a:t>
+            </a:r>
+            <a:r>
+              <a:rPr lang="en-US" dirty="0" smtClean="0"/>
+              <a:t>with PC</a:t>
+            </a:r>
+          </a:p>
+          <a:p>
+            <a:r>
+              <a:rPr lang="en-US" dirty="0" smtClean="0"/>
+              <a:t>Pins 2 and 3 used as Rx and </a:t>
+            </a:r>
+            <a:r>
+              <a:rPr lang="en-US" dirty="0" err="1" smtClean="0"/>
+              <a:t>Tx</a:t>
+            </a:r>
+            <a:r>
+              <a:rPr lang="en-US" dirty="0" smtClean="0"/>
+              <a:t> for serial communication with </a:t>
+            </a:r>
+            <a:r>
+              <a:rPr lang="en-US" dirty="0" err="1" smtClean="0"/>
+              <a:t>Xbee</a:t>
+            </a:r>
+            <a:r>
+              <a:rPr lang="en-US" dirty="0" smtClean="0"/>
+              <a:t> (</a:t>
+            </a:r>
+            <a:r>
+              <a:rPr lang="en-US" dirty="0" err="1" smtClean="0"/>
+              <a:t>SoftwareSerial</a:t>
+            </a:r>
+            <a:r>
+              <a:rPr lang="en-US" dirty="0" smtClean="0"/>
+              <a:t>)</a:t>
+            </a:r>
+            <a:endParaRPr lang="en-US" dirty="0" smtClean="0"/>
           </a:p>
         </p:txBody>
       </p:sp>
@@ -6252,7 +7339,24 @@
           <a:p>
             <a:r>
               <a:rPr lang="en-US" dirty="0" smtClean="0"/>
-              <a:t>Created custom Arduino shield for </a:t>
+              <a:t>Operates on 2.4GHz</a:t>
+            </a:r>
+          </a:p>
+          <a:p>
+            <a:r>
+              <a:rPr lang="en-US" dirty="0" smtClean="0"/>
+              <a:t>Range from 40 to 100 meters</a:t>
+            </a:r>
+            <a:endParaRPr lang="en-US" dirty="0" smtClean="0"/>
+          </a:p>
+          <a:p>
+            <a:r>
+              <a:rPr lang="en-US" dirty="0" smtClean="0"/>
+              <a:t>Created </a:t>
+            </a:r>
+            <a:r>
+              <a:rPr lang="en-US" dirty="0" smtClean="0"/>
+              <a:t>custom Arduino shield for </a:t>
             </a:r>
             <a:r>
               <a:rPr lang="en-US" dirty="0" err="1" smtClean="0"/>
@@ -6263,17 +7367,57 @@
           <a:p>
             <a:r>
               <a:rPr lang="en-US" dirty="0" smtClean="0"/>
-              <a:t>Configured to transmitter and receiver</a:t>
-            </a:r>
-          </a:p>
-          <a:p>
-            <a:r>
-              <a:rPr lang="en-US" dirty="0" smtClean="0"/>
-              <a:t>Ranges</a:t>
-            </a:r>
-          </a:p>
-        </p:txBody>
-      </p:sp>
+              <a:t>Used X-CTU to c</a:t>
+            </a:r>
+            <a:r>
+              <a:rPr lang="en-US" dirty="0" smtClean="0"/>
+              <a:t>onfigure </a:t>
+            </a:r>
+            <a:r>
+              <a:rPr lang="en-US" dirty="0" smtClean="0"/>
+              <a:t>transmitter and </a:t>
+            </a:r>
+            <a:r>
+              <a:rPr lang="en-US" dirty="0" smtClean="0"/>
+              <a:t>receiver</a:t>
+            </a:r>
+            <a:endParaRPr lang="en-US" dirty="0" smtClean="0"/>
+          </a:p>
+        </p:txBody>
+      </p:sp>
+      <p:pic>
+        <p:nvPicPr>
+          <p:cNvPr id="4" name="Picture 3" descr="http://attie.co.uk/libxbee/getting_started/modules/xbee1.jpg"/>
+          <p:cNvPicPr/>
+          <p:nvPr/>
+        </p:nvPicPr>
+        <p:blipFill>
+          <a:blip r:embed="rId2" cstate="print">
+            <a:extLst>
+              <a:ext uri="{28A0092B-C50C-407E-A947-70E740481C1C}">
+                <a14:useLocalDpi xmlns:a14="http://schemas.microsoft.com/office/drawing/2010/main" val="0"/>
+              </a:ext>
+            </a:extLst>
+          </a:blip>
+          <a:srcRect/>
+          <a:stretch>
+            <a:fillRect/>
+          </a:stretch>
+        </p:blipFill>
+        <p:spPr bwMode="auto">
+          <a:xfrm>
+            <a:off x="3714750" y="4419600"/>
+            <a:ext cx="1828800" cy="1752600"/>
+          </a:xfrm>
+          <a:prstGeom prst="rect">
+            <a:avLst/>
+          </a:prstGeom>
+          <a:noFill/>
+          <a:ln>
+            <a:noFill/>
+          </a:ln>
+        </p:spPr>
+      </p:pic>
     </p:spTree>
     <p:extLst>
       <p:ext uri="{BB962C8B-B14F-4D97-AF65-F5344CB8AC3E}">

--- a/Documents/Presentation/Presentation_MobileMotionTrackingRobotArm.pptx
+++ b/Documents/Presentation/Presentation_MobileMotionTrackingRobotArm.pptx
@@ -535,46 +535,7 @@
           <a:bodyPr/>
           <a:lstStyle/>
           <a:p>
-            <a:pPr marL="171450" indent="-171450">
-              <a:buFont typeface="Arial" panose="020B0604020202020204" pitchFamily="34" charset="0"/>
-              <a:buChar char="•"/>
-            </a:pPr>
-            <a:r>
-              <a:rPr lang="en-US" dirty="0" smtClean="0"/>
-              <a:t>Structured</a:t>
-            </a:r>
-            <a:r>
-              <a:rPr lang="en-US" baseline="0" dirty="0" smtClean="0"/>
-              <a:t> light: IR emitter emits pattern of infrared light, pattern gets distorted by objects in room.  IR Depth Sensor detects distortions and uses it to create depth map.</a:t>
-            </a:r>
-          </a:p>
-          <a:p>
-            <a:pPr marL="171450" marR="0" indent="-171450" algn="l" defTabSz="914400" rtl="0" eaLnBrk="1" fontAlgn="auto" latinLnBrk="0" hangingPunct="1">
-              <a:lnSpc>
-                <a:spcPct val="100000"/>
-              </a:lnSpc>
-              <a:spcBef>
-                <a:spcPts val="0"/>
-              </a:spcBef>
-              <a:spcAft>
-                <a:spcPts val="0"/>
-              </a:spcAft>
-              <a:buClrTx/>
-              <a:buSzTx/>
-              <a:buFont typeface="Arial" panose="020B0604020202020204" pitchFamily="34" charset="0"/>
-              <a:buChar char="•"/>
-              <a:tabLst/>
-              <a:defRPr/>
-            </a:pPr>
-            <a:r>
-              <a:rPr lang="en-US" dirty="0" smtClean="0"/>
-              <a:t>Depth map passed through machine learning algorithm</a:t>
-            </a:r>
-            <a:r>
-              <a:rPr lang="en-US" baseline="0" dirty="0" smtClean="0"/>
-              <a:t> to determine body positions in the room.</a:t>
-            </a:r>
-            <a:endParaRPr lang="en-US" dirty="0" smtClean="0"/>
+            <a:endParaRPr lang="en-US" dirty="0"/>
           </a:p>
         </p:txBody>
       </p:sp>
@@ -595,7 +556,7 @@
           <a:p>
             <a:fld id="{3B17A12C-C4E2-4206-8C18-BBFF2A1087F6}" type="slidenum">
               <a:rPr lang="en-US" smtClean="0"/>
-              <a:t>4</a:t>
+              <a:t>2</a:t>
             </a:fld>
             <a:endParaRPr lang="en-US"/>
           </a:p>
@@ -604,7 +565,7 @@
     </p:spTree>
     <p:extLst>
       <p:ext uri="{BB962C8B-B14F-4D97-AF65-F5344CB8AC3E}">
-        <p14:creationId xmlns:p14="http://schemas.microsoft.com/office/powerpoint/2010/main" val="3890657980"/>
+        <p14:creationId xmlns:p14="http://schemas.microsoft.com/office/powerpoint/2010/main" val="709508197"/>
       </p:ext>
     </p:extLst>
   </p:cSld>
@@ -658,13 +619,428 @@
           <a:bodyPr/>
           <a:lstStyle/>
           <a:p>
+            <a:endParaRPr lang="en-US" dirty="0"/>
+          </a:p>
+        </p:txBody>
+      </p:sp>
+      <p:sp>
+        <p:nvSpPr>
+          <p:cNvPr id="4" name="Slide Number Placeholder 3"/>
+          <p:cNvSpPr>
+            <a:spLocks noGrp="1"/>
+          </p:cNvSpPr>
+          <p:nvPr>
+            <p:ph type="sldNum" sz="quarter" idx="10"/>
+          </p:nvPr>
+        </p:nvSpPr>
+        <p:spPr/>
+        <p:txBody>
+          <a:bodyPr/>
+          <a:lstStyle/>
+          <a:p>
+            <a:fld id="{3B17A12C-C4E2-4206-8C18-BBFF2A1087F6}" type="slidenum">
+              <a:rPr lang="en-US" smtClean="0"/>
+              <a:t>3</a:t>
+            </a:fld>
+            <a:endParaRPr lang="en-US"/>
+          </a:p>
+        </p:txBody>
+      </p:sp>
+    </p:spTree>
+    <p:extLst>
+      <p:ext uri="{BB962C8B-B14F-4D97-AF65-F5344CB8AC3E}">
+        <p14:creationId xmlns:p14="http://schemas.microsoft.com/office/powerpoint/2010/main" val="254859936"/>
+      </p:ext>
+    </p:extLst>
+  </p:cSld>
+  <p:clrMapOvr>
+    <a:masterClrMapping/>
+  </p:clrMapOvr>
+</p:notes>
+</file>
+
+<file path=ppt/notesSlides/notesSlide3.xml><?xml version="1.0" encoding="utf-8"?>
+<p:notes xmlns:a="http://schemas.openxmlformats.org/drawingml/2006/main" xmlns:r="http://schemas.openxmlformats.org/officeDocument/2006/relationships" xmlns:p="http://schemas.openxmlformats.org/presentationml/2006/main">
+  <p:cSld>
+    <p:spTree>
+      <p:nvGrpSpPr>
+        <p:cNvPr id="1" name=""/>
+        <p:cNvGrpSpPr/>
+        <p:nvPr/>
+      </p:nvGrpSpPr>
+      <p:grpSpPr>
+        <a:xfrm>
+          <a:off x="0" y="0"/>
+          <a:ext cx="0" cy="0"/>
+          <a:chOff x="0" y="0"/>
+          <a:chExt cx="0" cy="0"/>
+        </a:xfrm>
+      </p:grpSpPr>
+      <p:sp>
+        <p:nvSpPr>
+          <p:cNvPr id="2" name="Slide Image Placeholder 1"/>
+          <p:cNvSpPr>
+            <a:spLocks noGrp="1" noRot="1" noChangeAspect="1"/>
+          </p:cNvSpPr>
+          <p:nvPr>
+            <p:ph type="sldImg"/>
+          </p:nvPr>
+        </p:nvSpPr>
+        <p:spPr/>
+      </p:sp>
+      <p:sp>
+        <p:nvSpPr>
+          <p:cNvPr id="3" name="Notes Placeholder 2"/>
+          <p:cNvSpPr>
+            <a:spLocks noGrp="1"/>
+          </p:cNvSpPr>
+          <p:nvPr>
+            <p:ph type="body" idx="1"/>
+          </p:nvPr>
+        </p:nvSpPr>
+        <p:spPr/>
+        <p:txBody>
+          <a:bodyPr/>
+          <a:lstStyle/>
+          <a:p>
+            <a:pPr marL="0" indent="0">
+              <a:buFont typeface="Arial" panose="020B0604020202020204" pitchFamily="34" charset="0"/>
+              <a:buNone/>
+            </a:pPr>
+            <a:r>
+              <a:rPr lang="en-US" dirty="0" smtClean="0"/>
+              <a:t>- Jeff R.</a:t>
+            </a:r>
+          </a:p>
+          <a:p>
             <a:pPr marL="171450" indent="-171450">
               <a:buFont typeface="Arial" panose="020B0604020202020204" pitchFamily="34" charset="0"/>
               <a:buChar char="•"/>
             </a:pPr>
             <a:r>
               <a:rPr lang="en-US" dirty="0" smtClean="0"/>
-              <a:t>Kinect SDK has skeleton stream – stores information about each joint (coordinates)</a:t>
+              <a:t>Structured</a:t>
+            </a:r>
+            <a:r>
+              <a:rPr lang="en-US" baseline="0" dirty="0" smtClean="0"/>
+              <a:t> </a:t>
+            </a:r>
+            <a:r>
+              <a:rPr lang="en-US" baseline="0" dirty="0" smtClean="0"/>
+              <a:t>light: IR emitter emits pattern of infrared light, pattern gets distorted by objects in room.  IR Depth Sensor detects distortions and uses it to create depth map.</a:t>
+            </a:r>
+          </a:p>
+          <a:p>
+            <a:pPr marL="171450" marR="0" indent="-171450" algn="l" defTabSz="914400" rtl="0" eaLnBrk="1" fontAlgn="auto" latinLnBrk="0" hangingPunct="1">
+              <a:lnSpc>
+                <a:spcPct val="100000"/>
+              </a:lnSpc>
+              <a:spcBef>
+                <a:spcPts val="0"/>
+              </a:spcBef>
+              <a:spcAft>
+                <a:spcPts val="0"/>
+              </a:spcAft>
+              <a:buClrTx/>
+              <a:buSzTx/>
+              <a:buFont typeface="Arial" panose="020B0604020202020204" pitchFamily="34" charset="0"/>
+              <a:buChar char="•"/>
+              <a:tabLst/>
+              <a:defRPr/>
+            </a:pPr>
+            <a:r>
+              <a:rPr lang="en-US" dirty="0" smtClean="0"/>
+              <a:t>Depth map passed through machine learning algorithm</a:t>
+            </a:r>
+            <a:r>
+              <a:rPr lang="en-US" baseline="0" dirty="0" smtClean="0"/>
+              <a:t> to determine body positions in the room.</a:t>
+            </a:r>
+            <a:endParaRPr lang="en-US" dirty="0" smtClean="0"/>
+          </a:p>
+        </p:txBody>
+      </p:sp>
+      <p:sp>
+        <p:nvSpPr>
+          <p:cNvPr id="4" name="Slide Number Placeholder 3"/>
+          <p:cNvSpPr>
+            <a:spLocks noGrp="1"/>
+          </p:cNvSpPr>
+          <p:nvPr>
+            <p:ph type="sldNum" sz="quarter" idx="10"/>
+          </p:nvPr>
+        </p:nvSpPr>
+        <p:spPr/>
+        <p:txBody>
+          <a:bodyPr/>
+          <a:lstStyle/>
+          <a:p>
+            <a:fld id="{3B17A12C-C4E2-4206-8C18-BBFF2A1087F6}" type="slidenum">
+              <a:rPr lang="en-US" smtClean="0"/>
+              <a:t>4</a:t>
+            </a:fld>
+            <a:endParaRPr lang="en-US"/>
+          </a:p>
+        </p:txBody>
+      </p:sp>
+    </p:spTree>
+    <p:extLst>
+      <p:ext uri="{BB962C8B-B14F-4D97-AF65-F5344CB8AC3E}">
+        <p14:creationId xmlns:p14="http://schemas.microsoft.com/office/powerpoint/2010/main" val="3890657980"/>
+      </p:ext>
+    </p:extLst>
+  </p:cSld>
+  <p:clrMapOvr>
+    <a:masterClrMapping/>
+  </p:clrMapOvr>
+</p:notes>
+</file>
+
+<file path=ppt/notesSlides/notesSlide4.xml><?xml version="1.0" encoding="utf-8"?>
+<p:notes xmlns:a="http://schemas.openxmlformats.org/drawingml/2006/main" xmlns:r="http://schemas.openxmlformats.org/officeDocument/2006/relationships" xmlns:p="http://schemas.openxmlformats.org/presentationml/2006/main">
+  <p:cSld>
+    <p:spTree>
+      <p:nvGrpSpPr>
+        <p:cNvPr id="1" name=""/>
+        <p:cNvGrpSpPr/>
+        <p:nvPr/>
+      </p:nvGrpSpPr>
+      <p:grpSpPr>
+        <a:xfrm>
+          <a:off x="0" y="0"/>
+          <a:ext cx="0" cy="0"/>
+          <a:chOff x="0" y="0"/>
+          <a:chExt cx="0" cy="0"/>
+        </a:xfrm>
+      </p:grpSpPr>
+      <p:sp>
+        <p:nvSpPr>
+          <p:cNvPr id="2" name="Slide Image Placeholder 1"/>
+          <p:cNvSpPr>
+            <a:spLocks noGrp="1" noRot="1" noChangeAspect="1"/>
+          </p:cNvSpPr>
+          <p:nvPr>
+            <p:ph type="sldImg"/>
+          </p:nvPr>
+        </p:nvSpPr>
+        <p:spPr/>
+      </p:sp>
+      <p:sp>
+        <p:nvSpPr>
+          <p:cNvPr id="3" name="Notes Placeholder 2"/>
+          <p:cNvSpPr>
+            <a:spLocks noGrp="1"/>
+          </p:cNvSpPr>
+          <p:nvPr>
+            <p:ph type="body" idx="1"/>
+          </p:nvPr>
+        </p:nvSpPr>
+        <p:spPr/>
+        <p:txBody>
+          <a:bodyPr/>
+          <a:lstStyle/>
+          <a:p>
+            <a:r>
+              <a:rPr lang="en-US" dirty="0" smtClean="0"/>
+              <a:t>- </a:t>
+            </a:r>
+            <a:r>
+              <a:rPr lang="en-US" dirty="0" err="1" smtClean="0"/>
+              <a:t>Getro</a:t>
+            </a:r>
+            <a:endParaRPr lang="en-US" dirty="0"/>
+          </a:p>
+        </p:txBody>
+      </p:sp>
+      <p:sp>
+        <p:nvSpPr>
+          <p:cNvPr id="4" name="Slide Number Placeholder 3"/>
+          <p:cNvSpPr>
+            <a:spLocks noGrp="1"/>
+          </p:cNvSpPr>
+          <p:nvPr>
+            <p:ph type="sldNum" sz="quarter" idx="10"/>
+          </p:nvPr>
+        </p:nvSpPr>
+        <p:spPr/>
+        <p:txBody>
+          <a:bodyPr/>
+          <a:lstStyle/>
+          <a:p>
+            <a:fld id="{3B17A12C-C4E2-4206-8C18-BBFF2A1087F6}" type="slidenum">
+              <a:rPr lang="en-US" smtClean="0"/>
+              <a:t>5</a:t>
+            </a:fld>
+            <a:endParaRPr lang="en-US"/>
+          </a:p>
+        </p:txBody>
+      </p:sp>
+    </p:spTree>
+    <p:extLst>
+      <p:ext uri="{BB962C8B-B14F-4D97-AF65-F5344CB8AC3E}">
+        <p14:creationId xmlns:p14="http://schemas.microsoft.com/office/powerpoint/2010/main" val="2819634273"/>
+      </p:ext>
+    </p:extLst>
+  </p:cSld>
+  <p:clrMapOvr>
+    <a:masterClrMapping/>
+  </p:clrMapOvr>
+</p:notes>
+</file>
+
+<file path=ppt/notesSlides/notesSlide5.xml><?xml version="1.0" encoding="utf-8"?>
+<p:notes xmlns:a="http://schemas.openxmlformats.org/drawingml/2006/main" xmlns:r="http://schemas.openxmlformats.org/officeDocument/2006/relationships" xmlns:p="http://schemas.openxmlformats.org/presentationml/2006/main">
+  <p:cSld>
+    <p:spTree>
+      <p:nvGrpSpPr>
+        <p:cNvPr id="1" name=""/>
+        <p:cNvGrpSpPr/>
+        <p:nvPr/>
+      </p:nvGrpSpPr>
+      <p:grpSpPr>
+        <a:xfrm>
+          <a:off x="0" y="0"/>
+          <a:ext cx="0" cy="0"/>
+          <a:chOff x="0" y="0"/>
+          <a:chExt cx="0" cy="0"/>
+        </a:xfrm>
+      </p:grpSpPr>
+      <p:sp>
+        <p:nvSpPr>
+          <p:cNvPr id="2" name="Slide Image Placeholder 1"/>
+          <p:cNvSpPr>
+            <a:spLocks noGrp="1" noRot="1" noChangeAspect="1"/>
+          </p:cNvSpPr>
+          <p:nvPr>
+            <p:ph type="sldImg"/>
+          </p:nvPr>
+        </p:nvSpPr>
+        <p:spPr/>
+      </p:sp>
+      <p:sp>
+        <p:nvSpPr>
+          <p:cNvPr id="3" name="Notes Placeholder 2"/>
+          <p:cNvSpPr>
+            <a:spLocks noGrp="1"/>
+          </p:cNvSpPr>
+          <p:nvPr>
+            <p:ph type="body" idx="1"/>
+          </p:nvPr>
+        </p:nvSpPr>
+        <p:spPr/>
+        <p:txBody>
+          <a:bodyPr/>
+          <a:lstStyle/>
+          <a:p>
+            <a:r>
+              <a:rPr lang="en-US" dirty="0" smtClean="0"/>
+              <a:t>- Jeff F.</a:t>
+            </a:r>
+            <a:endParaRPr lang="en-US" dirty="0"/>
+          </a:p>
+        </p:txBody>
+      </p:sp>
+      <p:sp>
+        <p:nvSpPr>
+          <p:cNvPr id="4" name="Slide Number Placeholder 3"/>
+          <p:cNvSpPr>
+            <a:spLocks noGrp="1"/>
+          </p:cNvSpPr>
+          <p:nvPr>
+            <p:ph type="sldNum" sz="quarter" idx="10"/>
+          </p:nvPr>
+        </p:nvSpPr>
+        <p:spPr/>
+        <p:txBody>
+          <a:bodyPr/>
+          <a:lstStyle/>
+          <a:p>
+            <a:fld id="{3B17A12C-C4E2-4206-8C18-BBFF2A1087F6}" type="slidenum">
+              <a:rPr lang="en-US" smtClean="0"/>
+              <a:t>8</a:t>
+            </a:fld>
+            <a:endParaRPr lang="en-US"/>
+          </a:p>
+        </p:txBody>
+      </p:sp>
+    </p:spTree>
+    <p:extLst>
+      <p:ext uri="{BB962C8B-B14F-4D97-AF65-F5344CB8AC3E}">
+        <p14:creationId xmlns:p14="http://schemas.microsoft.com/office/powerpoint/2010/main" val="2274555985"/>
+      </p:ext>
+    </p:extLst>
+  </p:cSld>
+  <p:clrMapOvr>
+    <a:masterClrMapping/>
+  </p:clrMapOvr>
+</p:notes>
+</file>
+
+<file path=ppt/notesSlides/notesSlide6.xml><?xml version="1.0" encoding="utf-8"?>
+<p:notes xmlns:a="http://schemas.openxmlformats.org/drawingml/2006/main" xmlns:r="http://schemas.openxmlformats.org/officeDocument/2006/relationships" xmlns:p="http://schemas.openxmlformats.org/presentationml/2006/main">
+  <p:cSld>
+    <p:spTree>
+      <p:nvGrpSpPr>
+        <p:cNvPr id="1" name=""/>
+        <p:cNvGrpSpPr/>
+        <p:nvPr/>
+      </p:nvGrpSpPr>
+      <p:grpSpPr>
+        <a:xfrm>
+          <a:off x="0" y="0"/>
+          <a:ext cx="0" cy="0"/>
+          <a:chOff x="0" y="0"/>
+          <a:chExt cx="0" cy="0"/>
+        </a:xfrm>
+      </p:grpSpPr>
+      <p:sp>
+        <p:nvSpPr>
+          <p:cNvPr id="2" name="Slide Image Placeholder 1"/>
+          <p:cNvSpPr>
+            <a:spLocks noGrp="1" noRot="1" noChangeAspect="1"/>
+          </p:cNvSpPr>
+          <p:nvPr>
+            <p:ph type="sldImg"/>
+          </p:nvPr>
+        </p:nvSpPr>
+        <p:spPr/>
+      </p:sp>
+      <p:sp>
+        <p:nvSpPr>
+          <p:cNvPr id="3" name="Notes Placeholder 2"/>
+          <p:cNvSpPr>
+            <a:spLocks noGrp="1"/>
+          </p:cNvSpPr>
+          <p:nvPr>
+            <p:ph type="body" idx="1"/>
+          </p:nvPr>
+        </p:nvSpPr>
+        <p:spPr/>
+        <p:txBody>
+          <a:bodyPr/>
+          <a:lstStyle/>
+          <a:p>
+            <a:pPr marL="0" indent="0">
+              <a:buFont typeface="Arial" panose="020B0604020202020204" pitchFamily="34" charset="0"/>
+              <a:buNone/>
+            </a:pPr>
+            <a:r>
+              <a:rPr lang="en-US" dirty="0" smtClean="0"/>
+              <a:t>- Jeff R.</a:t>
+            </a:r>
+          </a:p>
+          <a:p>
+            <a:pPr marL="171450" indent="-171450">
+              <a:buFont typeface="Arial" panose="020B0604020202020204" pitchFamily="34" charset="0"/>
+              <a:buChar char="•"/>
+            </a:pPr>
+            <a:r>
+              <a:rPr lang="en-US" dirty="0" smtClean="0"/>
+              <a:t>Kinect </a:t>
+            </a:r>
+            <a:r>
+              <a:rPr lang="en-US" dirty="0" smtClean="0"/>
+              <a:t>SDK has skeleton stream – stores information about each joint (coordinates)</a:t>
             </a:r>
           </a:p>
           <a:p>
@@ -756,7 +1132,7 @@
 </p:notes>
 </file>
 
-<file path=ppt/notesSlides/notesSlide3.xml><?xml version="1.0" encoding="utf-8"?>
+<file path=ppt/notesSlides/notesSlide7.xml><?xml version="1.0" encoding="utf-8"?>
 <p:notes xmlns:a="http://schemas.openxmlformats.org/drawingml/2006/main" xmlns:r="http://schemas.openxmlformats.org/officeDocument/2006/relationships" xmlns:p="http://schemas.openxmlformats.org/presentationml/2006/main">
   <p:cSld>
     <p:spTree>
@@ -4996,7 +5372,6 @@
               <a:rPr lang="en-US" dirty="0" smtClean="0"/>
               <a:t>view</a:t>
             </a:r>
-            <a:endParaRPr lang="en-US" dirty="0" smtClean="0"/>
           </a:p>
           <a:p>
             <a:r>
@@ -5089,29 +5464,8 @@
           <a:p>
             <a:r>
               <a:rPr lang="en-US" dirty="0" smtClean="0"/>
-              <a:t>Skeletal </a:t>
-            </a:r>
-            <a:r>
-              <a:rPr lang="en-US" dirty="0" smtClean="0"/>
-              <a:t>tracking done </a:t>
-            </a:r>
-            <a:r>
-              <a:rPr lang="en-US" dirty="0" smtClean="0"/>
-              <a:t>using </a:t>
-            </a:r>
-            <a:r>
-              <a:rPr lang="en-US" dirty="0" smtClean="0"/>
-              <a:t>Kinect </a:t>
-            </a:r>
-            <a:r>
-              <a:rPr lang="en-US" dirty="0" smtClean="0"/>
-              <a:t>for Windows </a:t>
-            </a:r>
-            <a:r>
-              <a:rPr lang="en-US" dirty="0" smtClean="0"/>
-              <a:t>SDK v1.8</a:t>
-            </a:r>
-            <a:endParaRPr lang="en-US" dirty="0" smtClean="0"/>
+              <a:t>Skeletal tracking done using Kinect for Windows SDK v1.8</a:t>
+            </a:r>
           </a:p>
           <a:p>
             <a:r>
@@ -5199,17 +5553,12 @@
             </a:r>
             <a:r>
               <a:rPr lang="en-US" dirty="0" err="1" smtClean="0"/>
-              <a:t>HandClose</a:t>
-            </a:r>
-            <a:r>
-              <a:rPr lang="en-US" dirty="0" err="1" smtClean="0"/>
-              <a:t>d</a:t>
+              <a:t>HandClosed</a:t>
             </a:r>
             <a:r>
               <a:rPr lang="en-US" dirty="0" smtClean="0"/>
               <a:t>”</a:t>
             </a:r>
-            <a:endParaRPr lang="en-US" dirty="0" smtClean="0"/>
           </a:p>
         </p:txBody>
       </p:sp>
@@ -5378,7 +5727,6 @@
               <a:rPr lang="en-US" dirty="0" smtClean="0"/>
               <a:t>Calculate servo positions from servo angles (linear regression)</a:t>
             </a:r>
-            <a:endParaRPr lang="en-US" dirty="0" smtClean="0"/>
           </a:p>
           <a:p>
             <a:r>
@@ -5393,7 +5741,6 @@
               <a:rPr lang="en-US" dirty="0" smtClean="0"/>
               <a:t> modules to SSC-32U using Software Serial</a:t>
             </a:r>
-            <a:endParaRPr lang="en-US" dirty="0" smtClean="0"/>
           </a:p>
         </p:txBody>
       </p:sp>
@@ -6516,7 +6863,7 @@
           <p:nvPr/>
         </p:nvPicPr>
         <p:blipFill>
-          <a:blip r:embed="rId2">
+          <a:blip r:embed="rId3">
             <a:extLst>
               <a:ext uri="{28A0092B-C50C-407E-A947-70E740481C1C}">
                 <a14:useLocalDpi xmlns:a14="http://schemas.microsoft.com/office/drawing/2010/main" val="0"/>
@@ -6795,7 +7142,7 @@
           <p:nvPr/>
         </p:nvPicPr>
         <p:blipFill>
-          <a:blip r:embed="rId2" cstate="print">
+          <a:blip r:embed="rId3" cstate="print">
             <a:extLst>
               <a:ext uri="{28A0092B-C50C-407E-A947-70E740481C1C}">
                 <a14:useLocalDpi xmlns:a14="http://schemas.microsoft.com/office/drawing/2010/main" val="0"/>
@@ -6904,11 +7251,7 @@
           <a:p>
             <a:r>
               <a:rPr lang="en-US" dirty="0" smtClean="0"/>
-              <a:t>Accepts string </a:t>
-            </a:r>
-            <a:r>
-              <a:rPr lang="en-US" dirty="0" smtClean="0"/>
-              <a:t>commands</a:t>
+              <a:t>Accepts string commands</a:t>
             </a:r>
           </a:p>
           <a:p>
@@ -6917,7 +7260,6 @@
               <a:rPr lang="en-US" dirty="0" smtClean="0"/>
               <a:t>#0 P1500 S500 T1000</a:t>
             </a:r>
-            <a:endParaRPr lang="en-US" dirty="0" smtClean="0"/>
           </a:p>
           <a:p>
             <a:r>
@@ -6930,16 +7272,11 @@
               <a:rPr lang="en-US" dirty="0" smtClean="0"/>
               <a:t>Requires 6Vdc</a:t>
             </a:r>
-            <a:endParaRPr lang="en-US" dirty="0" smtClean="0"/>
-          </a:p>
-          <a:p>
-            <a:r>
-              <a:rPr lang="en-US" dirty="0" smtClean="0"/>
-              <a:t>We use 9600 </a:t>
-            </a:r>
-            <a:r>
-              <a:rPr lang="en-US" dirty="0" smtClean="0"/>
-              <a:t>Baud rate</a:t>
+          </a:p>
+          <a:p>
+            <a:r>
+              <a:rPr lang="en-US" dirty="0" smtClean="0"/>
+              <a:t>We use 9600 Baud rate</a:t>
             </a:r>
             <a:endParaRPr lang="en-US" dirty="0"/>
           </a:p>
@@ -7064,11 +7401,7 @@
             </a:r>
             <a:r>
               <a:rPr lang="en-US" dirty="0" smtClean="0"/>
-              <a:t> continuous servos, one for each wheel (4WD</a:t>
-            </a:r>
-            <a:r>
-              <a:rPr lang="en-US" dirty="0" smtClean="0"/>
-              <a:t>)</a:t>
+              <a:t> continuous servos, one for each wheel (4WD)</a:t>
             </a:r>
           </a:p>
           <a:p>
@@ -7086,7 +7419,6 @@
               <a:rPr lang="en-US" dirty="0" smtClean="0"/>
               <a:t> 5.8 GHz transmitter and receiver</a:t>
             </a:r>
-            <a:endParaRPr lang="en-US" dirty="0" smtClean="0"/>
           </a:p>
         </p:txBody>
       </p:sp>
@@ -7196,11 +7528,7 @@
           <a:p>
             <a:r>
               <a:rPr lang="en-US" dirty="0" smtClean="0"/>
-              <a:t>Uses an ATmega328 </a:t>
-            </a:r>
-            <a:r>
-              <a:rPr lang="en-US" dirty="0" smtClean="0"/>
-              <a:t>processor</a:t>
+              <a:t>Uses an ATmega328 processor</a:t>
             </a:r>
           </a:p>
           <a:p>
@@ -7214,11 +7542,7 @@
             </a:r>
             <a:r>
               <a:rPr lang="en-US" dirty="0" smtClean="0"/>
-              <a:t> for serial communication </a:t>
-            </a:r>
-            <a:r>
-              <a:rPr lang="en-US" dirty="0" smtClean="0"/>
-              <a:t>with PC</a:t>
+              <a:t> for serial communication with PC</a:t>
             </a:r>
           </a:p>
           <a:p>
@@ -7250,7 +7574,6 @@
               <a:rPr lang="en-US" dirty="0" smtClean="0"/>
               <a:t>)</a:t>
             </a:r>
-            <a:endParaRPr lang="en-US" dirty="0" smtClean="0"/>
           </a:p>
         </p:txBody>
       </p:sp>
@@ -7347,16 +7670,11 @@
               <a:rPr lang="en-US" dirty="0" smtClean="0"/>
               <a:t>Range from 40 to 100 meters</a:t>
             </a:r>
-            <a:endParaRPr lang="en-US" dirty="0" smtClean="0"/>
-          </a:p>
-          <a:p>
-            <a:r>
-              <a:rPr lang="en-US" dirty="0" smtClean="0"/>
-              <a:t>Created </a:t>
-            </a:r>
-            <a:r>
-              <a:rPr lang="en-US" dirty="0" smtClean="0"/>
-              <a:t>custom Arduino shield for </a:t>
+          </a:p>
+          <a:p>
+            <a:r>
+              <a:rPr lang="en-US" dirty="0" smtClean="0"/>
+              <a:t>Created custom Arduino shield for </a:t>
             </a:r>
             <a:r>
               <a:rPr lang="en-US" dirty="0" err="1" smtClean="0"/>
@@ -7367,21 +7685,8 @@
           <a:p>
             <a:r>
               <a:rPr lang="en-US" dirty="0" smtClean="0"/>
-              <a:t>Used X-CTU to c</a:t>
-            </a:r>
-            <a:r>
-              <a:rPr lang="en-US" dirty="0" smtClean="0"/>
-              <a:t>onfigure </a:t>
-            </a:r>
-            <a:r>
-              <a:rPr lang="en-US" dirty="0" smtClean="0"/>
-              <a:t>transmitter and </a:t>
-            </a:r>
-            <a:r>
-              <a:rPr lang="en-US" dirty="0" smtClean="0"/>
-              <a:t>receiver</a:t>
-            </a:r>
-            <a:endParaRPr lang="en-US" dirty="0" smtClean="0"/>
+              <a:t>Used X-CTU to configure transmitter and receiver</a:t>
+            </a:r>
           </a:p>
         </p:txBody>
       </p:sp>

--- a/Documents/Presentation/Presentation_MobileMotionTrackingRobotArm.pptx
+++ b/Documents/Presentation/Presentation_MobileMotionTrackingRobotArm.pptx
@@ -5,7 +5,7 @@
     <p:sldMasterId id="2147483684" r:id="rId1"/>
   </p:sldMasterIdLst>
   <p:notesMasterIdLst>
-    <p:notesMasterId r:id="rId18"/>
+    <p:notesMasterId r:id="rId19"/>
   </p:notesMasterIdLst>
   <p:sldIdLst>
     <p:sldId id="256" r:id="rId2"/>
@@ -24,6 +24,7 @@
     <p:sldId id="265" r:id="rId15"/>
     <p:sldId id="260" r:id="rId16"/>
     <p:sldId id="261" r:id="rId17"/>
+    <p:sldId id="276" r:id="rId18"/>
   </p:sldIdLst>
   <p:sldSz cx="9144000" cy="6858000" type="screen4x3"/>
   <p:notesSz cx="6858000" cy="9144000"/>
@@ -223,7 +224,7 @@
           <a:p>
             <a:fld id="{268F506D-26F5-4309-8499-7C58FB34B1C8}" type="datetimeFigureOut">
               <a:rPr lang="en-US" smtClean="0"/>
-              <a:t>5/1/2016</a:t>
+              <a:t>5/2/2016</a:t>
             </a:fld>
             <a:endParaRPr lang="en-US"/>
           </a:p>
@@ -575,6 +576,284 @@
 </p:notes>
 </file>
 
+<file path=ppt/notesSlides/notesSlide10.xml><?xml version="1.0" encoding="utf-8"?>
+<p:notes xmlns:a="http://schemas.openxmlformats.org/drawingml/2006/main" xmlns:r="http://schemas.openxmlformats.org/officeDocument/2006/relationships" xmlns:p="http://schemas.openxmlformats.org/presentationml/2006/main">
+  <p:cSld>
+    <p:spTree>
+      <p:nvGrpSpPr>
+        <p:cNvPr id="1" name=""/>
+        <p:cNvGrpSpPr/>
+        <p:nvPr/>
+      </p:nvGrpSpPr>
+      <p:grpSpPr>
+        <a:xfrm>
+          <a:off x="0" y="0"/>
+          <a:ext cx="0" cy="0"/>
+          <a:chOff x="0" y="0"/>
+          <a:chExt cx="0" cy="0"/>
+        </a:xfrm>
+      </p:grpSpPr>
+      <p:sp>
+        <p:nvSpPr>
+          <p:cNvPr id="2" name="Slide Image Placeholder 1"/>
+          <p:cNvSpPr>
+            <a:spLocks noGrp="1" noRot="1" noChangeAspect="1"/>
+          </p:cNvSpPr>
+          <p:nvPr>
+            <p:ph type="sldImg"/>
+          </p:nvPr>
+        </p:nvSpPr>
+        <p:spPr/>
+      </p:sp>
+      <p:sp>
+        <p:nvSpPr>
+          <p:cNvPr id="3" name="Notes Placeholder 2"/>
+          <p:cNvSpPr>
+            <a:spLocks noGrp="1"/>
+          </p:cNvSpPr>
+          <p:nvPr>
+            <p:ph type="body" idx="1"/>
+          </p:nvPr>
+        </p:nvSpPr>
+        <p:spPr/>
+        <p:txBody>
+          <a:bodyPr/>
+          <a:lstStyle/>
+          <a:p>
+            <a:pPr marL="171450" indent="-171450">
+              <a:buFont typeface="Arial" panose="020B0604020202020204" pitchFamily="34" charset="0"/>
+              <a:buChar char="•"/>
+            </a:pPr>
+            <a:r>
+              <a:rPr lang="en-US" dirty="0" smtClean="0"/>
+              <a:t>Kinect </a:t>
+            </a:r>
+            <a:r>
+              <a:rPr lang="en-US" dirty="0" smtClean="0"/>
+              <a:t>SDK has skeleton stream – stores information about each joint (coordinates)</a:t>
+            </a:r>
+          </a:p>
+          <a:p>
+            <a:pPr marL="171450" indent="-171450">
+              <a:buFont typeface="Arial" panose="020B0604020202020204" pitchFamily="34" charset="0"/>
+              <a:buChar char="•"/>
+            </a:pPr>
+            <a:r>
+              <a:rPr lang="en-US" dirty="0" smtClean="0"/>
+              <a:t>Filter out right hand joint</a:t>
+            </a:r>
+          </a:p>
+          <a:p>
+            <a:pPr marL="171450" indent="-171450">
+              <a:buFont typeface="Arial" panose="020B0604020202020204" pitchFamily="34" charset="0"/>
+              <a:buChar char="•"/>
+            </a:pPr>
+            <a:r>
+              <a:rPr lang="en-US" dirty="0" smtClean="0"/>
+              <a:t>Each joint is an</a:t>
+            </a:r>
+            <a:r>
+              <a:rPr lang="en-US" baseline="0" dirty="0" smtClean="0"/>
+              <a:t> enumeration – </a:t>
+            </a:r>
+            <a:r>
+              <a:rPr lang="en-US" baseline="0" dirty="0" err="1" smtClean="0"/>
+              <a:t>HandRight.X</a:t>
+            </a:r>
+            <a:r>
+              <a:rPr lang="en-US" baseline="0" dirty="0" smtClean="0"/>
+              <a:t> gives x coordinate</a:t>
+            </a:r>
+          </a:p>
+          <a:p>
+            <a:pPr marL="171450" indent="-171450">
+              <a:buFont typeface="Arial" panose="020B0604020202020204" pitchFamily="34" charset="0"/>
+              <a:buChar char="•"/>
+            </a:pPr>
+            <a:r>
+              <a:rPr lang="en-US" baseline="0" dirty="0" smtClean="0"/>
+              <a:t>Use gestures for hand opened/closed – Interaction stream: Grip/</a:t>
+            </a:r>
+            <a:r>
+              <a:rPr lang="en-US" baseline="0" dirty="0" err="1" smtClean="0"/>
+              <a:t>GripReleased</a:t>
+            </a:r>
+            <a:r>
+              <a:rPr lang="en-US" baseline="0" dirty="0" smtClean="0"/>
+              <a:t> events</a:t>
+            </a:r>
+            <a:endParaRPr lang="en-US" dirty="0"/>
+          </a:p>
+        </p:txBody>
+      </p:sp>
+      <p:sp>
+        <p:nvSpPr>
+          <p:cNvPr id="4" name="Slide Number Placeholder 3"/>
+          <p:cNvSpPr>
+            <a:spLocks noGrp="1"/>
+          </p:cNvSpPr>
+          <p:nvPr>
+            <p:ph type="sldNum" sz="quarter" idx="10"/>
+          </p:nvPr>
+        </p:nvSpPr>
+        <p:spPr/>
+        <p:txBody>
+          <a:bodyPr/>
+          <a:lstStyle/>
+          <a:p>
+            <a:fld id="{3B17A12C-C4E2-4206-8C18-BBFF2A1087F6}" type="slidenum">
+              <a:rPr lang="en-US" smtClean="0"/>
+              <a:t>11</a:t>
+            </a:fld>
+            <a:endParaRPr lang="en-US"/>
+          </a:p>
+        </p:txBody>
+      </p:sp>
+    </p:spTree>
+    <p:extLst>
+      <p:ext uri="{BB962C8B-B14F-4D97-AF65-F5344CB8AC3E}">
+        <p14:creationId xmlns:p14="http://schemas.microsoft.com/office/powerpoint/2010/main" val="747289961"/>
+      </p:ext>
+    </p:extLst>
+  </p:cSld>
+  <p:clrMapOvr>
+    <a:masterClrMapping/>
+  </p:clrMapOvr>
+</p:notes>
+</file>
+
+<file path=ppt/notesSlides/notesSlide11.xml><?xml version="1.0" encoding="utf-8"?>
+<p:notes xmlns:a="http://schemas.openxmlformats.org/drawingml/2006/main" xmlns:r="http://schemas.openxmlformats.org/officeDocument/2006/relationships" xmlns:p="http://schemas.openxmlformats.org/presentationml/2006/main">
+  <p:cSld>
+    <p:spTree>
+      <p:nvGrpSpPr>
+        <p:cNvPr id="1" name=""/>
+        <p:cNvGrpSpPr/>
+        <p:nvPr/>
+      </p:nvGrpSpPr>
+      <p:grpSpPr>
+        <a:xfrm>
+          <a:off x="0" y="0"/>
+          <a:ext cx="0" cy="0"/>
+          <a:chOff x="0" y="0"/>
+          <a:chExt cx="0" cy="0"/>
+        </a:xfrm>
+      </p:grpSpPr>
+      <p:sp>
+        <p:nvSpPr>
+          <p:cNvPr id="2" name="Slide Image Placeholder 1"/>
+          <p:cNvSpPr>
+            <a:spLocks noGrp="1" noRot="1" noChangeAspect="1"/>
+          </p:cNvSpPr>
+          <p:nvPr>
+            <p:ph type="sldImg"/>
+          </p:nvPr>
+        </p:nvSpPr>
+        <p:spPr/>
+      </p:sp>
+      <p:sp>
+        <p:nvSpPr>
+          <p:cNvPr id="3" name="Notes Placeholder 2"/>
+          <p:cNvSpPr>
+            <a:spLocks noGrp="1"/>
+          </p:cNvSpPr>
+          <p:nvPr>
+            <p:ph type="body" idx="1"/>
+          </p:nvPr>
+        </p:nvSpPr>
+        <p:spPr/>
+        <p:txBody>
+          <a:bodyPr/>
+          <a:lstStyle/>
+          <a:p>
+            <a:pPr marL="171450" marR="0" indent="-171450" algn="l" defTabSz="914400" rtl="0" eaLnBrk="1" fontAlgn="auto" latinLnBrk="0" hangingPunct="1">
+              <a:lnSpc>
+                <a:spcPct val="100000"/>
+              </a:lnSpc>
+              <a:spcBef>
+                <a:spcPts val="0"/>
+              </a:spcBef>
+              <a:spcAft>
+                <a:spcPts val="0"/>
+              </a:spcAft>
+              <a:buClrTx/>
+              <a:buSzTx/>
+              <a:buFont typeface="Arial" panose="020B0604020202020204" pitchFamily="34" charset="0"/>
+              <a:buChar char="•"/>
+              <a:tabLst/>
+              <a:defRPr/>
+            </a:pPr>
+            <a:r>
+              <a:rPr lang="en-US" dirty="0" smtClean="0"/>
+              <a:t>Inverse kinematics is a series of equations used in robotics to find the joint angles required to put the end of an arm at a specific location</a:t>
+            </a:r>
+          </a:p>
+          <a:p>
+            <a:pPr marL="171450" marR="0" indent="-171450" algn="l" defTabSz="914400" rtl="0" eaLnBrk="1" fontAlgn="auto" latinLnBrk="0" hangingPunct="1">
+              <a:lnSpc>
+                <a:spcPct val="100000"/>
+              </a:lnSpc>
+              <a:spcBef>
+                <a:spcPts val="0"/>
+              </a:spcBef>
+              <a:spcAft>
+                <a:spcPts val="0"/>
+              </a:spcAft>
+              <a:buClrTx/>
+              <a:buSzTx/>
+              <a:buFont typeface="Arial" panose="020B0604020202020204" pitchFamily="34" charset="0"/>
+              <a:buChar char="•"/>
+              <a:tabLst/>
+              <a:defRPr/>
+            </a:pPr>
+            <a:r>
+              <a:rPr lang="en-US" dirty="0" smtClean="0"/>
+              <a:t>Linear regression: max and min</a:t>
+            </a:r>
+            <a:r>
+              <a:rPr lang="en-US" baseline="0" dirty="0" smtClean="0"/>
+              <a:t> ranges of Kinect and arm used to find slope and intercept for our equations</a:t>
+            </a:r>
+            <a:endParaRPr lang="en-US" dirty="0" smtClean="0"/>
+          </a:p>
+        </p:txBody>
+      </p:sp>
+      <p:sp>
+        <p:nvSpPr>
+          <p:cNvPr id="4" name="Slide Number Placeholder 3"/>
+          <p:cNvSpPr>
+            <a:spLocks noGrp="1"/>
+          </p:cNvSpPr>
+          <p:nvPr>
+            <p:ph type="sldNum" sz="quarter" idx="10"/>
+          </p:nvPr>
+        </p:nvSpPr>
+        <p:spPr/>
+        <p:txBody>
+          <a:bodyPr/>
+          <a:lstStyle/>
+          <a:p>
+            <a:fld id="{3B17A12C-C4E2-4206-8C18-BBFF2A1087F6}" type="slidenum">
+              <a:rPr lang="en-US" smtClean="0"/>
+              <a:t>12</a:t>
+            </a:fld>
+            <a:endParaRPr lang="en-US"/>
+          </a:p>
+        </p:txBody>
+      </p:sp>
+    </p:spTree>
+    <p:extLst>
+      <p:ext uri="{BB962C8B-B14F-4D97-AF65-F5344CB8AC3E}">
+        <p14:creationId xmlns:p14="http://schemas.microsoft.com/office/powerpoint/2010/main" val="3501235008"/>
+      </p:ext>
+    </p:extLst>
+  </p:cSld>
+  <p:clrMapOvr>
+    <a:masterClrMapping/>
+  </p:clrMapOvr>
+</p:notes>
+</file>
+
 <file path=ppt/notesSlides/notesSlide2.xml><?xml version="1.0" encoding="utf-8"?>
 <p:notes xmlns:a="http://schemas.openxmlformats.org/drawingml/2006/main" xmlns:r="http://schemas.openxmlformats.org/officeDocument/2006/relationships" xmlns:p="http://schemas.openxmlformats.org/presentationml/2006/main">
   <p:cSld>
@@ -723,11 +1002,7 @@
             </a:r>
             <a:r>
               <a:rPr lang="en-US" baseline="0" dirty="0" smtClean="0"/>
-              <a:t> </a:t>
-            </a:r>
-            <a:r>
-              <a:rPr lang="en-US" baseline="0" dirty="0" smtClean="0"/>
-              <a:t>light: IR emitter emits pattern of infrared light, pattern gets distorted by objects in room.  IR Depth Sensor detects distortions and uses it to create depth map.</a:t>
+              <a:t> light: IR emitter emits pattern of infrared light, pattern gets distorted by objects in room.  IR Depth Sensor detects distortions and uses it to create depth map.</a:t>
             </a:r>
           </a:p>
           <a:p>
@@ -840,13 +1115,17 @@
           <a:bodyPr/>
           <a:lstStyle/>
           <a:p>
-            <a:r>
-              <a:rPr lang="en-US" dirty="0" smtClean="0"/>
-              <a:t>- </a:t>
-            </a:r>
-            <a:r>
-              <a:rPr lang="en-US" dirty="0" err="1" smtClean="0"/>
-              <a:t>Getro</a:t>
+            <a:pPr marL="171450" indent="-171450">
+              <a:buFont typeface="Arial" panose="020B0604020202020204" pitchFamily="34" charset="0"/>
+              <a:buChar char="•"/>
+            </a:pPr>
+            <a:r>
+              <a:rPr lang="en-US" dirty="0" smtClean="0"/>
+              <a:t>Wrist</a:t>
+            </a:r>
+            <a:r>
+              <a:rPr lang="en-US" baseline="0" dirty="0" smtClean="0"/>
+              <a:t> tracking with Kinect not reliable enough to allow wrist movement on arm</a:t>
             </a:r>
             <a:endParaRPr lang="en-US" dirty="0"/>
           </a:p>
@@ -932,9 +1211,17 @@
           <a:bodyPr/>
           <a:lstStyle/>
           <a:p>
-            <a:r>
-              <a:rPr lang="en-US" dirty="0" smtClean="0"/>
-              <a:t>- Jeff F.</a:t>
+            <a:pPr marL="171450" indent="-171450">
+              <a:buFont typeface="Arial" panose="020B0604020202020204" pitchFamily="34" charset="0"/>
+              <a:buChar char="•"/>
+            </a:pPr>
+            <a:r>
+              <a:rPr lang="en-US" dirty="0" smtClean="0"/>
+              <a:t># - servo number, P</a:t>
+            </a:r>
+            <a:r>
+              <a:rPr lang="en-US" baseline="0" dirty="0" smtClean="0"/>
+              <a:t> – servo position, S – maximum servo speed (microseconds per second), T – time to complete motion</a:t>
             </a:r>
             <a:endParaRPr lang="en-US" dirty="0"/>
           </a:p>
@@ -957,7 +1244,7 @@
           <a:p>
             <a:fld id="{3B17A12C-C4E2-4206-8C18-BBFF2A1087F6}" type="slidenum">
               <a:rPr lang="en-US" smtClean="0"/>
-              <a:t>8</a:t>
+              <a:t>6</a:t>
             </a:fld>
             <a:endParaRPr lang="en-US"/>
           </a:p>
@@ -966,7 +1253,7 @@
     </p:spTree>
     <p:extLst>
       <p:ext uri="{BB962C8B-B14F-4D97-AF65-F5344CB8AC3E}">
-        <p14:creationId xmlns:p14="http://schemas.microsoft.com/office/powerpoint/2010/main" val="2274555985"/>
+        <p14:creationId xmlns:p14="http://schemas.microsoft.com/office/powerpoint/2010/main" val="500808600"/>
       </p:ext>
     </p:extLst>
   </p:cSld>
@@ -1020,79 +1307,23 @@
           <a:bodyPr/>
           <a:lstStyle/>
           <a:p>
-            <a:pPr marL="0" indent="0">
-              <a:buFont typeface="Arial" panose="020B0604020202020204" pitchFamily="34" charset="0"/>
-              <a:buNone/>
-            </a:pPr>
-            <a:r>
-              <a:rPr lang="en-US" dirty="0" smtClean="0"/>
-              <a:t>- Jeff R.</a:t>
-            </a:r>
-          </a:p>
-          <a:p>
             <a:pPr marL="171450" indent="-171450">
               <a:buFont typeface="Arial" panose="020B0604020202020204" pitchFamily="34" charset="0"/>
               <a:buChar char="•"/>
             </a:pPr>
             <a:r>
               <a:rPr lang="en-US" dirty="0" smtClean="0"/>
-              <a:t>Kinect </a:t>
-            </a:r>
-            <a:r>
-              <a:rPr lang="en-US" dirty="0" smtClean="0"/>
-              <a:t>SDK has skeleton stream – stores information about each joint (coordinates)</a:t>
-            </a:r>
-          </a:p>
-          <a:p>
-            <a:pPr marL="171450" indent="-171450">
-              <a:buFont typeface="Arial" panose="020B0604020202020204" pitchFamily="34" charset="0"/>
-              <a:buChar char="•"/>
-            </a:pPr>
-            <a:r>
-              <a:rPr lang="en-US" dirty="0" smtClean="0"/>
-              <a:t>Filter out right hand joint</a:t>
-            </a:r>
-          </a:p>
-          <a:p>
-            <a:pPr marL="171450" indent="-171450">
-              <a:buFont typeface="Arial" panose="020B0604020202020204" pitchFamily="34" charset="0"/>
-              <a:buChar char="•"/>
-            </a:pPr>
-            <a:r>
-              <a:rPr lang="en-US" dirty="0" smtClean="0"/>
-              <a:t>Each joint is an</a:t>
+              <a:t>Under 6V – servos have</a:t>
             </a:r>
             <a:r>
               <a:rPr lang="en-US" baseline="0" dirty="0" smtClean="0"/>
-              <a:t> enumeration – </a:t>
-            </a:r>
-            <a:r>
-              <a:rPr lang="en-US" baseline="0" dirty="0" err="1" smtClean="0"/>
-              <a:t>HandRight.X</a:t>
-            </a:r>
-            <a:r>
-              <a:rPr lang="en-US" baseline="0" dirty="0" smtClean="0"/>
-              <a:t> gives x coordinate</a:t>
-            </a:r>
-          </a:p>
-          <a:p>
-            <a:pPr marL="171450" indent="-171450">
-              <a:buFont typeface="Arial" panose="020B0604020202020204" pitchFamily="34" charset="0"/>
-              <a:buChar char="•"/>
-            </a:pPr>
-            <a:r>
-              <a:rPr lang="en-US" baseline="0" dirty="0" smtClean="0"/>
-              <a:t>Use gestures for hand opened/closed – Interaction stream: Grip/</a:t>
-            </a:r>
-            <a:r>
-              <a:rPr lang="en-US" baseline="0" dirty="0" err="1" smtClean="0"/>
-              <a:t>GripReleased</a:t>
-            </a:r>
-            <a:r>
-              <a:rPr lang="en-US" baseline="0" dirty="0" smtClean="0"/>
-              <a:t> events</a:t>
-            </a:r>
-            <a:endParaRPr lang="en-US" dirty="0"/>
+              <a:t> 2.8lbs of torque, more </a:t>
+            </a:r>
+            <a:r>
+              <a:rPr lang="en-US" baseline="0" smtClean="0"/>
+              <a:t>than enough for arm</a:t>
+            </a:r>
+            <a:endParaRPr lang="en-US"/>
           </a:p>
         </p:txBody>
       </p:sp>
@@ -1113,7 +1344,7 @@
           <a:p>
             <a:fld id="{3B17A12C-C4E2-4206-8C18-BBFF2A1087F6}" type="slidenum">
               <a:rPr lang="en-US" smtClean="0"/>
-              <a:t>11</a:t>
+              <a:t>7</a:t>
             </a:fld>
             <a:endParaRPr lang="en-US"/>
           </a:p>
@@ -1122,7 +1353,7 @@
     </p:spTree>
     <p:extLst>
       <p:ext uri="{BB962C8B-B14F-4D97-AF65-F5344CB8AC3E}">
-        <p14:creationId xmlns:p14="http://schemas.microsoft.com/office/powerpoint/2010/main" val="747289961"/>
+        <p14:creationId xmlns:p14="http://schemas.microsoft.com/office/powerpoint/2010/main" val="1455980773"/>
       </p:ext>
     </p:extLst>
   </p:cSld>
@@ -1176,55 +1407,37 @@
           <a:bodyPr/>
           <a:lstStyle/>
           <a:p>
-            <a:pPr marL="171450" marR="0" indent="-171450" algn="l" defTabSz="914400" rtl="0" eaLnBrk="1" fontAlgn="auto" latinLnBrk="0" hangingPunct="1">
-              <a:lnSpc>
-                <a:spcPct val="100000"/>
-              </a:lnSpc>
-              <a:spcBef>
-                <a:spcPts val="0"/>
-              </a:spcBef>
-              <a:spcAft>
-                <a:spcPts val="0"/>
-              </a:spcAft>
-              <a:buClrTx/>
-              <a:buSzTx/>
+            <a:pPr marL="171450" indent="-171450">
               <a:buFont typeface="Arial" panose="020B0604020202020204" pitchFamily="34" charset="0"/>
               <a:buChar char="•"/>
-              <a:tabLst/>
-              <a:defRPr/>
             </a:pPr>
             <a:r>
               <a:rPr lang="en-US" dirty="0" smtClean="0"/>
-              <a:t>Inverse kinematics is a series of equations used in robotics to find the joint angles required to put the end of an arm at a specific location</a:t>
-            </a:r>
-          </a:p>
-          <a:p>
-            <a:pPr marL="171450" marR="0" indent="-171450" algn="l" defTabSz="914400" rtl="0" eaLnBrk="1" fontAlgn="auto" latinLnBrk="0" hangingPunct="1">
-              <a:lnSpc>
-                <a:spcPct val="100000"/>
-              </a:lnSpc>
-              <a:spcBef>
-                <a:spcPts val="0"/>
-              </a:spcBef>
-              <a:spcAft>
-                <a:spcPts val="0"/>
-              </a:spcAft>
-              <a:buClrTx/>
-              <a:buSzTx/>
+              <a:t>Our version</a:t>
+            </a:r>
+            <a:r>
+              <a:rPr lang="en-US" baseline="0" dirty="0" smtClean="0"/>
+              <a:t> of the Arduino – </a:t>
+            </a:r>
+            <a:r>
+              <a:rPr lang="en-US" baseline="0" dirty="0" err="1" smtClean="0"/>
+              <a:t>Adafruit</a:t>
+            </a:r>
+            <a:r>
+              <a:rPr lang="en-US" baseline="0" dirty="0" smtClean="0"/>
+              <a:t> Metro328</a:t>
+            </a:r>
+          </a:p>
+          <a:p>
+            <a:pPr marL="171450" indent="-171450">
               <a:buFont typeface="Arial" panose="020B0604020202020204" pitchFamily="34" charset="0"/>
               <a:buChar char="•"/>
-              <a:tabLst/>
-              <a:defRPr/>
             </a:pPr>
             <a:r>
-              <a:rPr lang="en-US" dirty="0" smtClean="0"/>
-              <a:t>Linear regression: max and min</a:t>
-            </a:r>
-            <a:r>
               <a:rPr lang="en-US" baseline="0" dirty="0" smtClean="0"/>
-              <a:t> ranges of Kinect and arm used to find slope and intercept for our equations</a:t>
-            </a:r>
-            <a:endParaRPr lang="en-US" dirty="0" smtClean="0"/>
+              <a:t>Use it calculate servo positions from the Kinect’s coordinates</a:t>
+            </a:r>
+            <a:endParaRPr lang="en-US" dirty="0"/>
           </a:p>
         </p:txBody>
       </p:sp>
@@ -1245,7 +1458,7 @@
           <a:p>
             <a:fld id="{3B17A12C-C4E2-4206-8C18-BBFF2A1087F6}" type="slidenum">
               <a:rPr lang="en-US" smtClean="0"/>
-              <a:t>12</a:t>
+              <a:t>8</a:t>
             </a:fld>
             <a:endParaRPr lang="en-US"/>
           </a:p>
@@ -1254,7 +1467,264 @@
     </p:spTree>
     <p:extLst>
       <p:ext uri="{BB962C8B-B14F-4D97-AF65-F5344CB8AC3E}">
-        <p14:creationId xmlns:p14="http://schemas.microsoft.com/office/powerpoint/2010/main" val="3501235008"/>
+        <p14:creationId xmlns:p14="http://schemas.microsoft.com/office/powerpoint/2010/main" val="2274555985"/>
+      </p:ext>
+    </p:extLst>
+  </p:cSld>
+  <p:clrMapOvr>
+    <a:masterClrMapping/>
+  </p:clrMapOvr>
+</p:notes>
+</file>
+
+<file path=ppt/notesSlides/notesSlide8.xml><?xml version="1.0" encoding="utf-8"?>
+<p:notes xmlns:a="http://schemas.openxmlformats.org/drawingml/2006/main" xmlns:r="http://schemas.openxmlformats.org/officeDocument/2006/relationships" xmlns:p="http://schemas.openxmlformats.org/presentationml/2006/main">
+  <p:cSld>
+    <p:spTree>
+      <p:nvGrpSpPr>
+        <p:cNvPr id="1" name=""/>
+        <p:cNvGrpSpPr/>
+        <p:nvPr/>
+      </p:nvGrpSpPr>
+      <p:grpSpPr>
+        <a:xfrm>
+          <a:off x="0" y="0"/>
+          <a:ext cx="0" cy="0"/>
+          <a:chOff x="0" y="0"/>
+          <a:chExt cx="0" cy="0"/>
+        </a:xfrm>
+      </p:grpSpPr>
+      <p:sp>
+        <p:nvSpPr>
+          <p:cNvPr id="2" name="Slide Image Placeholder 1"/>
+          <p:cNvSpPr>
+            <a:spLocks noGrp="1" noRot="1" noChangeAspect="1"/>
+          </p:cNvSpPr>
+          <p:nvPr>
+            <p:ph type="sldImg"/>
+          </p:nvPr>
+        </p:nvSpPr>
+        <p:spPr/>
+      </p:sp>
+      <p:sp>
+        <p:nvSpPr>
+          <p:cNvPr id="3" name="Notes Placeholder 2"/>
+          <p:cNvSpPr>
+            <a:spLocks noGrp="1"/>
+          </p:cNvSpPr>
+          <p:nvPr>
+            <p:ph type="body" idx="1"/>
+          </p:nvPr>
+        </p:nvSpPr>
+        <p:spPr/>
+        <p:txBody>
+          <a:bodyPr/>
+          <a:lstStyle/>
+          <a:p>
+            <a:pPr marL="171450" indent="-171450">
+              <a:buFont typeface="Arial" panose="020B0604020202020204" pitchFamily="34" charset="0"/>
+              <a:buChar char="•"/>
+            </a:pPr>
+            <a:r>
+              <a:rPr lang="en-US" dirty="0" smtClean="0"/>
+              <a:t>Used to communicate wirelessly</a:t>
+            </a:r>
+            <a:r>
+              <a:rPr lang="en-US" baseline="0" dirty="0" smtClean="0"/>
+              <a:t> between Arduino and robot arm</a:t>
+            </a:r>
+          </a:p>
+          <a:p>
+            <a:pPr marL="171450" indent="-171450">
+              <a:buFont typeface="Arial" panose="020B0604020202020204" pitchFamily="34" charset="0"/>
+              <a:buChar char="•"/>
+            </a:pPr>
+            <a:r>
+              <a:rPr lang="en-US" baseline="0" dirty="0" smtClean="0"/>
+              <a:t>Range – inside or outside with line of sight</a:t>
+            </a:r>
+          </a:p>
+          <a:p>
+            <a:pPr marL="171450" indent="-171450">
+              <a:buFont typeface="Arial" panose="020B0604020202020204" pitchFamily="34" charset="0"/>
+              <a:buChar char="•"/>
+            </a:pPr>
+            <a:r>
+              <a:rPr lang="en-US" baseline="0" dirty="0" smtClean="0"/>
+              <a:t>Custom shield to wire </a:t>
+            </a:r>
+            <a:r>
+              <a:rPr lang="en-US" baseline="0" dirty="0" err="1" smtClean="0"/>
+              <a:t>SoftwareSerial</a:t>
+            </a:r>
+            <a:r>
+              <a:rPr lang="en-US" baseline="0" dirty="0" smtClean="0"/>
+              <a:t> pins 2 and 3 to Rx and </a:t>
+            </a:r>
+            <a:r>
+              <a:rPr lang="en-US" baseline="0" dirty="0" err="1" smtClean="0"/>
+              <a:t>Tx</a:t>
+            </a:r>
+            <a:r>
+              <a:rPr lang="en-US" baseline="0" dirty="0" smtClean="0"/>
+              <a:t> of </a:t>
+            </a:r>
+            <a:r>
+              <a:rPr lang="en-US" baseline="0" dirty="0" err="1" smtClean="0"/>
+              <a:t>Xbee</a:t>
+            </a:r>
+            <a:endParaRPr lang="en-US" baseline="0" dirty="0" smtClean="0"/>
+          </a:p>
+          <a:p>
+            <a:pPr marL="171450" indent="-171450">
+              <a:buFont typeface="Arial" panose="020B0604020202020204" pitchFamily="34" charset="0"/>
+              <a:buChar char="•"/>
+            </a:pPr>
+            <a:r>
+              <a:rPr lang="en-US" baseline="0" dirty="0" smtClean="0"/>
+              <a:t>X-CTU – set destination address to ID of opposite </a:t>
+            </a:r>
+            <a:r>
+              <a:rPr lang="en-US" baseline="0" dirty="0" err="1" smtClean="0"/>
+              <a:t>Xbee</a:t>
+            </a:r>
+            <a:endParaRPr lang="en-US" dirty="0"/>
+          </a:p>
+        </p:txBody>
+      </p:sp>
+      <p:sp>
+        <p:nvSpPr>
+          <p:cNvPr id="4" name="Slide Number Placeholder 3"/>
+          <p:cNvSpPr>
+            <a:spLocks noGrp="1"/>
+          </p:cNvSpPr>
+          <p:nvPr>
+            <p:ph type="sldNum" sz="quarter" idx="10"/>
+          </p:nvPr>
+        </p:nvSpPr>
+        <p:spPr/>
+        <p:txBody>
+          <a:bodyPr/>
+          <a:lstStyle/>
+          <a:p>
+            <a:fld id="{3B17A12C-C4E2-4206-8C18-BBFF2A1087F6}" type="slidenum">
+              <a:rPr lang="en-US" smtClean="0"/>
+              <a:t>9</a:t>
+            </a:fld>
+            <a:endParaRPr lang="en-US"/>
+          </a:p>
+        </p:txBody>
+      </p:sp>
+    </p:spTree>
+    <p:extLst>
+      <p:ext uri="{BB962C8B-B14F-4D97-AF65-F5344CB8AC3E}">
+        <p14:creationId xmlns:p14="http://schemas.microsoft.com/office/powerpoint/2010/main" val="801212033"/>
+      </p:ext>
+    </p:extLst>
+  </p:cSld>
+  <p:clrMapOvr>
+    <a:masterClrMapping/>
+  </p:clrMapOvr>
+</p:notes>
+</file>
+
+<file path=ppt/notesSlides/notesSlide9.xml><?xml version="1.0" encoding="utf-8"?>
+<p:notes xmlns:a="http://schemas.openxmlformats.org/drawingml/2006/main" xmlns:r="http://schemas.openxmlformats.org/officeDocument/2006/relationships" xmlns:p="http://schemas.openxmlformats.org/presentationml/2006/main">
+  <p:cSld>
+    <p:spTree>
+      <p:nvGrpSpPr>
+        <p:cNvPr id="1" name=""/>
+        <p:cNvGrpSpPr/>
+        <p:nvPr/>
+      </p:nvGrpSpPr>
+      <p:grpSpPr>
+        <a:xfrm>
+          <a:off x="0" y="0"/>
+          <a:ext cx="0" cy="0"/>
+          <a:chOff x="0" y="0"/>
+          <a:chExt cx="0" cy="0"/>
+        </a:xfrm>
+      </p:grpSpPr>
+      <p:sp>
+        <p:nvSpPr>
+          <p:cNvPr id="2" name="Slide Image Placeholder 1"/>
+          <p:cNvSpPr>
+            <a:spLocks noGrp="1" noRot="1" noChangeAspect="1"/>
+          </p:cNvSpPr>
+          <p:nvPr>
+            <p:ph type="sldImg"/>
+          </p:nvPr>
+        </p:nvSpPr>
+        <p:spPr/>
+      </p:sp>
+      <p:sp>
+        <p:nvSpPr>
+          <p:cNvPr id="3" name="Notes Placeholder 2"/>
+          <p:cNvSpPr>
+            <a:spLocks noGrp="1"/>
+          </p:cNvSpPr>
+          <p:nvPr>
+            <p:ph type="body" idx="1"/>
+          </p:nvPr>
+        </p:nvSpPr>
+        <p:spPr/>
+        <p:txBody>
+          <a:bodyPr/>
+          <a:lstStyle/>
+          <a:p>
+            <a:pPr marL="171450" indent="-171450">
+              <a:buFont typeface="Arial" panose="020B0604020202020204" pitchFamily="34" charset="0"/>
+              <a:buChar char="•"/>
+            </a:pPr>
+            <a:r>
+              <a:rPr lang="en-US" dirty="0" smtClean="0"/>
+              <a:t>Used to give</a:t>
+            </a:r>
+            <a:r>
+              <a:rPr lang="en-US" baseline="0" dirty="0" smtClean="0"/>
+              <a:t> a clear view of the arm wherever it is</a:t>
+            </a:r>
+          </a:p>
+          <a:p>
+            <a:pPr marL="171450" indent="-171450">
+              <a:buFont typeface="Arial" panose="020B0604020202020204" pitchFamily="34" charset="0"/>
+              <a:buChar char="•"/>
+            </a:pPr>
+            <a:r>
+              <a:rPr lang="en-US" baseline="0" dirty="0" smtClean="0"/>
+              <a:t>5.8GHz - With wall in between, range can go maybe one room over, but outside you can get a range of 100+ meters</a:t>
+            </a:r>
+            <a:endParaRPr lang="en-US" dirty="0"/>
+          </a:p>
+        </p:txBody>
+      </p:sp>
+      <p:sp>
+        <p:nvSpPr>
+          <p:cNvPr id="4" name="Slide Number Placeholder 3"/>
+          <p:cNvSpPr>
+            <a:spLocks noGrp="1"/>
+          </p:cNvSpPr>
+          <p:nvPr>
+            <p:ph type="sldNum" sz="quarter" idx="10"/>
+          </p:nvPr>
+        </p:nvSpPr>
+        <p:spPr/>
+        <p:txBody>
+          <a:bodyPr/>
+          <a:lstStyle/>
+          <a:p>
+            <a:fld id="{3B17A12C-C4E2-4206-8C18-BBFF2A1087F6}" type="slidenum">
+              <a:rPr lang="en-US" smtClean="0"/>
+              <a:t>10</a:t>
+            </a:fld>
+            <a:endParaRPr lang="en-US"/>
+          </a:p>
+        </p:txBody>
+      </p:sp>
+    </p:spTree>
+    <p:extLst>
+      <p:ext uri="{BB962C8B-B14F-4D97-AF65-F5344CB8AC3E}">
+        <p14:creationId xmlns:p14="http://schemas.microsoft.com/office/powerpoint/2010/main" val="3252624835"/>
       </p:ext>
     </p:extLst>
   </p:cSld>
@@ -1433,7 +1903,7 @@
           <a:p>
             <a:fld id="{7903C747-3FF6-48D2-B6AA-BDBF9050E76E}" type="datetimeFigureOut">
               <a:rPr lang="en-US" smtClean="0"/>
-              <a:t>5/1/2016</a:t>
+              <a:t>5/2/2016</a:t>
             </a:fld>
             <a:endParaRPr lang="en-US"/>
           </a:p>
@@ -1763,7 +2233,7 @@
           <a:p>
             <a:fld id="{7903C747-3FF6-48D2-B6AA-BDBF9050E76E}" type="datetimeFigureOut">
               <a:rPr lang="en-US" smtClean="0"/>
-              <a:t>5/1/2016</a:t>
+              <a:t>5/2/2016</a:t>
             </a:fld>
             <a:endParaRPr lang="en-US"/>
           </a:p>
@@ -1943,7 +2413,7 @@
           <a:p>
             <a:fld id="{7903C747-3FF6-48D2-B6AA-BDBF9050E76E}" type="datetimeFigureOut">
               <a:rPr lang="en-US" smtClean="0"/>
-              <a:t>5/1/2016</a:t>
+              <a:t>5/2/2016</a:t>
             </a:fld>
             <a:endParaRPr lang="en-US"/>
           </a:p>
@@ -2113,7 +2583,7 @@
           <a:p>
             <a:fld id="{7903C747-3FF6-48D2-B6AA-BDBF9050E76E}" type="datetimeFigureOut">
               <a:rPr lang="en-US" smtClean="0"/>
-              <a:t>5/1/2016</a:t>
+              <a:t>5/2/2016</a:t>
             </a:fld>
             <a:endParaRPr lang="en-US"/>
           </a:p>
@@ -2390,7 +2860,7 @@
           <a:p>
             <a:fld id="{7903C747-3FF6-48D2-B6AA-BDBF9050E76E}" type="datetimeFigureOut">
               <a:rPr lang="en-US" smtClean="0"/>
-              <a:t>5/1/2016</a:t>
+              <a:t>5/2/2016</a:t>
             </a:fld>
             <a:endParaRPr lang="en-US"/>
           </a:p>
@@ -2840,7 +3310,7 @@
           <a:p>
             <a:fld id="{7903C747-3FF6-48D2-B6AA-BDBF9050E76E}" type="datetimeFigureOut">
               <a:rPr lang="en-US" smtClean="0"/>
-              <a:t>5/1/2016</a:t>
+              <a:t>5/2/2016</a:t>
             </a:fld>
             <a:endParaRPr lang="en-US"/>
           </a:p>
@@ -3317,7 +3787,7 @@
           <a:p>
             <a:fld id="{7903C747-3FF6-48D2-B6AA-BDBF9050E76E}" type="datetimeFigureOut">
               <a:rPr lang="en-US" smtClean="0"/>
-              <a:t>5/1/2016</a:t>
+              <a:t>5/2/2016</a:t>
             </a:fld>
             <a:endParaRPr lang="en-US"/>
           </a:p>
@@ -3435,7 +3905,7 @@
           <a:p>
             <a:fld id="{7903C747-3FF6-48D2-B6AA-BDBF9050E76E}" type="datetimeFigureOut">
               <a:rPr lang="en-US" smtClean="0"/>
-              <a:t>5/1/2016</a:t>
+              <a:t>5/2/2016</a:t>
             </a:fld>
             <a:endParaRPr lang="en-US"/>
           </a:p>
@@ -3530,7 +4000,7 @@
           <a:p>
             <a:fld id="{7903C747-3FF6-48D2-B6AA-BDBF9050E76E}" type="datetimeFigureOut">
               <a:rPr lang="en-US" smtClean="0"/>
-              <a:t>5/1/2016</a:t>
+              <a:t>5/2/2016</a:t>
             </a:fld>
             <a:endParaRPr lang="en-US"/>
           </a:p>
@@ -3878,7 +4348,7 @@
           <a:p>
             <a:fld id="{7903C747-3FF6-48D2-B6AA-BDBF9050E76E}" type="datetimeFigureOut">
               <a:rPr lang="en-US" smtClean="0"/>
-              <a:t>5/1/2016</a:t>
+              <a:t>5/2/2016</a:t>
             </a:fld>
             <a:endParaRPr lang="en-US"/>
           </a:p>
@@ -4306,7 +4776,7 @@
           <a:p>
             <a:fld id="{7903C747-3FF6-48D2-B6AA-BDBF9050E76E}" type="datetimeFigureOut">
               <a:rPr lang="en-US" smtClean="0"/>
-              <a:t>5/1/2016</a:t>
+              <a:t>5/2/2016</a:t>
             </a:fld>
             <a:endParaRPr lang="en-US"/>
           </a:p>
@@ -4622,7 +5092,7 @@
           <a:p>
             <a:fld id="{7903C747-3FF6-48D2-B6AA-BDBF9050E76E}" type="datetimeFigureOut">
               <a:rPr lang="en-US" smtClean="0"/>
-              <a:t>5/1/2016</a:t>
+              <a:t>5/2/2016</a:t>
             </a:fld>
             <a:endParaRPr lang="en-US"/>
           </a:p>
@@ -6689,12 +7159,374 @@
             <p:ph idx="1"/>
           </p:nvPr>
         </p:nvSpPr>
-        <p:spPr/>
-        <p:txBody>
-          <a:bodyPr/>
+        <p:spPr>
+          <a:xfrm>
+            <a:off x="1028700" y="1524000"/>
+            <a:ext cx="7200900" cy="5105400"/>
+          </a:xfrm>
+        </p:spPr>
+        <p:txBody>
+          <a:bodyPr>
+            <a:normAutofit fontScale="70000" lnSpcReduction="20000"/>
+          </a:bodyPr>
           <a:lstStyle/>
           <a:p>
-            <a:endParaRPr lang="en-US"/>
+            <a:r>
+              <a:rPr lang="en-US" dirty="0" err="1" smtClean="0"/>
+              <a:t>Lynxmotion</a:t>
+            </a:r>
+            <a:r>
+              <a:rPr lang="en-US" dirty="0"/>
+              <a:t>. "</a:t>
+            </a:r>
+            <a:r>
+              <a:rPr lang="en-US" dirty="0" err="1"/>
+              <a:t>Lynxmotion</a:t>
+            </a:r>
+            <a:r>
+              <a:rPr lang="en-US" dirty="0"/>
+              <a:t> - SSC-32U USB Servo Controller." </a:t>
+            </a:r>
+            <a:r>
+              <a:rPr lang="en-US" dirty="0" err="1"/>
+              <a:t>Lynxmotion</a:t>
+            </a:r>
+            <a:r>
+              <a:rPr lang="en-US" dirty="0"/>
+              <a:t>. </a:t>
+            </a:r>
+            <a:r>
+              <a:rPr lang="en-US" dirty="0" err="1"/>
+              <a:t>N.p</a:t>
+            </a:r>
+            <a:r>
+              <a:rPr lang="en-US" dirty="0"/>
+              <a:t>., </a:t>
+            </a:r>
+            <a:r>
+              <a:rPr lang="en-US" dirty="0" err="1"/>
+              <a:t>n.d.</a:t>
+            </a:r>
+            <a:r>
+              <a:rPr lang="en-US" dirty="0"/>
+              <a:t> Web. &lt;</a:t>
+            </a:r>
+            <a:r>
+              <a:rPr lang="en-US" u="sng" dirty="0">
+                <a:hlinkClick r:id="rId2"/>
+              </a:rPr>
+              <a:t>http://www.lynxmotion.com/p-1032-ssc-32u-usb-servo-controller.aspx</a:t>
+            </a:r>
+            <a:r>
+              <a:rPr lang="en-US" dirty="0" smtClean="0"/>
+              <a:t>&gt;.</a:t>
+            </a:r>
+            <a:endParaRPr lang="en-US" dirty="0"/>
+          </a:p>
+          <a:p>
+            <a:r>
+              <a:rPr lang="en-US" dirty="0" smtClean="0"/>
+              <a:t>"</a:t>
+            </a:r>
+            <a:r>
+              <a:rPr lang="en-US" dirty="0"/>
+              <a:t>METRO Development Boards with ATmega328." </a:t>
+            </a:r>
+            <a:r>
+              <a:rPr lang="en-US" i="1" dirty="0" err="1"/>
+              <a:t>Digikey</a:t>
+            </a:r>
+            <a:r>
+              <a:rPr lang="en-US" dirty="0"/>
+              <a:t>. </a:t>
+            </a:r>
+            <a:r>
+              <a:rPr lang="en-US" dirty="0" err="1"/>
+              <a:t>N.p</a:t>
+            </a:r>
+            <a:r>
+              <a:rPr lang="en-US" dirty="0"/>
+              <a:t>., </a:t>
+            </a:r>
+            <a:r>
+              <a:rPr lang="en-US" dirty="0" err="1"/>
+              <a:t>n.d.</a:t>
+            </a:r>
+            <a:r>
+              <a:rPr lang="en-US" dirty="0"/>
+              <a:t> Web. &lt;https://www.digikey.com/en/product-highlight/a/adafruit/metro-development-boards-with-atmega328</a:t>
+            </a:r>
+            <a:r>
+              <a:rPr lang="en-US" dirty="0" smtClean="0"/>
+              <a:t>&gt;.</a:t>
+            </a:r>
+            <a:endParaRPr lang="en-US" dirty="0"/>
+          </a:p>
+          <a:p>
+            <a:r>
+              <a:rPr lang="en-US" dirty="0" err="1" smtClean="0"/>
+              <a:t>MacCormick</a:t>
+            </a:r>
+            <a:r>
+              <a:rPr lang="en-US" dirty="0"/>
+              <a:t>, John, Dr. "How Does the Kinect Work?" (</a:t>
+            </a:r>
+            <a:r>
+              <a:rPr lang="en-US" dirty="0" err="1"/>
+              <a:t>n.d.</a:t>
+            </a:r>
+            <a:r>
+              <a:rPr lang="en-US" dirty="0"/>
+              <a:t>): n. </a:t>
+            </a:r>
+            <a:r>
+              <a:rPr lang="en-US" dirty="0" err="1"/>
+              <a:t>pag</a:t>
+            </a:r>
+            <a:r>
+              <a:rPr lang="en-US" dirty="0"/>
+              <a:t>. 6 Sept. 2011. Web. &lt;</a:t>
+            </a:r>
+            <a:r>
+              <a:rPr lang="en-US" u="sng" dirty="0">
+                <a:hlinkClick r:id="rId3"/>
+              </a:rPr>
+              <a:t>http://users.dickinson.edu/~jmac/selected-talks/kinect.pdf</a:t>
+            </a:r>
+            <a:r>
+              <a:rPr lang="en-US" dirty="0" smtClean="0"/>
+              <a:t>&gt;.</a:t>
+            </a:r>
+            <a:endParaRPr lang="en-US" dirty="0"/>
+          </a:p>
+          <a:p>
+            <a:r>
+              <a:rPr lang="en-US" dirty="0" err="1" smtClean="0"/>
+              <a:t>Pterneas</a:t>
+            </a:r>
+            <a:r>
+              <a:rPr lang="en-US" dirty="0"/>
+              <a:t>, </a:t>
+            </a:r>
+            <a:r>
+              <a:rPr lang="en-US" dirty="0" err="1"/>
+              <a:t>Vangos</a:t>
+            </a:r>
+            <a:r>
+              <a:rPr lang="en-US" dirty="0"/>
+              <a:t>. "</a:t>
+            </a:r>
+            <a:r>
+              <a:rPr lang="en-US" dirty="0" err="1"/>
+              <a:t>Vangos</a:t>
+            </a:r>
+            <a:r>
+              <a:rPr lang="en-US" dirty="0"/>
+              <a:t>/</a:t>
+            </a:r>
+            <a:r>
+              <a:rPr lang="en-US" dirty="0" err="1"/>
+              <a:t>kinect</a:t>
+            </a:r>
+            <a:r>
+              <a:rPr lang="en-US" dirty="0"/>
+              <a:t>-coordinate-mapping." GitHub. </a:t>
+            </a:r>
+            <a:r>
+              <a:rPr lang="en-US" dirty="0" err="1"/>
+              <a:t>N.p</a:t>
+            </a:r>
+            <a:r>
+              <a:rPr lang="en-US" dirty="0"/>
+              <a:t>., 4 May 2014. Web. &lt;</a:t>
+            </a:r>
+            <a:r>
+              <a:rPr lang="en-US" u="sng" dirty="0">
+                <a:hlinkClick r:id="rId4"/>
+              </a:rPr>
+              <a:t>https://github.com/Vangos/kinect-coordinate-mapping</a:t>
+            </a:r>
+            <a:r>
+              <a:rPr lang="en-US" dirty="0" smtClean="0"/>
+              <a:t>&gt;.</a:t>
+            </a:r>
+            <a:endParaRPr lang="en-US" dirty="0"/>
+          </a:p>
+          <a:p>
+            <a:r>
+              <a:rPr lang="en-US" dirty="0" smtClean="0"/>
+              <a:t>Smith</a:t>
+            </a:r>
+            <a:r>
+              <a:rPr lang="en-US" dirty="0"/>
+              <a:t>, Tammy R. "Kinect for Windows Programming Guide." Microsoft Developer Network. Microsoft, 15 Jan. 2015. Web. &lt;https://msdn.microsoft.com/en-us/library/hh855348.aspx</a:t>
+            </a:r>
+            <a:r>
+              <a:rPr lang="en-US" dirty="0" smtClean="0"/>
+              <a:t>&gt;.</a:t>
+            </a:r>
+            <a:endParaRPr lang="en-US" dirty="0"/>
+          </a:p>
+          <a:p>
+            <a:r>
+              <a:rPr lang="en-US" dirty="0" err="1" smtClean="0"/>
+              <a:t>Velvárt</a:t>
+            </a:r>
+            <a:r>
+              <a:rPr lang="en-US" dirty="0"/>
+              <a:t>, </a:t>
+            </a:r>
+            <a:r>
+              <a:rPr lang="en-US" dirty="0" err="1"/>
+              <a:t>András</a:t>
+            </a:r>
+            <a:r>
+              <a:rPr lang="en-US" dirty="0"/>
+              <a:t>. "Kinect Interactions With(out) WPF – Part III: Demystifying the Interaction Stream." </a:t>
+            </a:r>
+            <a:r>
+              <a:rPr lang="en-US" dirty="0" err="1"/>
+              <a:t>Dotneteers</a:t>
+            </a:r>
+            <a:r>
+              <a:rPr lang="en-US" dirty="0"/>
+              <a:t>. </a:t>
+            </a:r>
+            <a:r>
+              <a:rPr lang="en-US" dirty="0" err="1"/>
+              <a:t>N.p</a:t>
+            </a:r>
+            <a:r>
+              <a:rPr lang="en-US" dirty="0"/>
+              <a:t>., 3 May 2013. Web. &lt;</a:t>
+            </a:r>
+            <a:r>
+              <a:rPr lang="en-US" u="sng" dirty="0">
+                <a:hlinkClick r:id="rId5"/>
+              </a:rPr>
+              <a:t>http://dotneteers.net/blogs/vbandi/archive/2013/05/03/kinect-interactions-with-wpf-part-iii-demystifying-the-interaction-stream.aspx</a:t>
+            </a:r>
+            <a:r>
+              <a:rPr lang="en-US" dirty="0" smtClean="0"/>
+              <a:t>&gt;.</a:t>
+            </a:r>
+            <a:endParaRPr lang="en-US" dirty="0"/>
+          </a:p>
+          <a:p>
+            <a:r>
+              <a:rPr lang="en-US" dirty="0" err="1" smtClean="0"/>
+              <a:t>Keesling</a:t>
+            </a:r>
+            <a:r>
+              <a:rPr lang="en-US" dirty="0"/>
+              <a:t>, Mike. "</a:t>
+            </a:r>
+            <a:r>
+              <a:rPr lang="en-US" dirty="0" err="1"/>
+              <a:t>Lynxmotion</a:t>
+            </a:r>
+            <a:r>
+              <a:rPr lang="en-US" dirty="0"/>
+              <a:t> Arms and Inverse Kinematics." </a:t>
+            </a:r>
+            <a:r>
+              <a:rPr lang="en-US" dirty="0" err="1"/>
+              <a:t>Lynxmotion</a:t>
+            </a:r>
+            <a:r>
+              <a:rPr lang="en-US" dirty="0"/>
+              <a:t>. </a:t>
+            </a:r>
+            <a:r>
+              <a:rPr lang="en-US" dirty="0" err="1"/>
+              <a:t>N.p</a:t>
+            </a:r>
+            <a:r>
+              <a:rPr lang="en-US" dirty="0"/>
+              <a:t>., </a:t>
+            </a:r>
+            <a:r>
+              <a:rPr lang="en-US" dirty="0" err="1"/>
+              <a:t>n.d.</a:t>
+            </a:r>
+            <a:r>
+              <a:rPr lang="en-US" dirty="0"/>
+              <a:t> Web. &lt;http://www.lynxmotion.com/images/html/proj057.htm&gt;.  </a:t>
+            </a:r>
+          </a:p>
+          <a:p>
+            <a:r>
+              <a:rPr lang="en-US" dirty="0" err="1" smtClean="0"/>
+              <a:t>Micromega</a:t>
+            </a:r>
+            <a:r>
+              <a:rPr lang="en-US" dirty="0" smtClean="0"/>
+              <a:t> </a:t>
+            </a:r>
+            <a:r>
+              <a:rPr lang="en-US" dirty="0"/>
+              <a:t>Corporation. "Application Note 44: Controlling a Lynx6 Robotic Arm." </a:t>
+            </a:r>
+            <a:r>
+              <a:rPr lang="en-US" dirty="0" smtClean="0"/>
+              <a:t>(</a:t>
+            </a:r>
+            <a:r>
+              <a:rPr lang="en-US" dirty="0" err="1" smtClean="0"/>
+              <a:t>n.d</a:t>
+            </a:r>
+            <a:r>
+              <a:rPr lang="en-US" dirty="0" err="1"/>
+              <a:t>.</a:t>
+            </a:r>
+            <a:r>
+              <a:rPr lang="en-US" dirty="0"/>
+              <a:t>): n. </a:t>
+            </a:r>
+            <a:r>
+              <a:rPr lang="en-US" dirty="0" err="1"/>
+              <a:t>pag</a:t>
+            </a:r>
+            <a:r>
+              <a:rPr lang="en-US" dirty="0"/>
+              <a:t>. 9 Feb. 2009. Web. &lt;http://www.micromegacorp.com/downloads/documentation/AN044-Robotic%20Arm.pdf</a:t>
+            </a:r>
+            <a:r>
+              <a:rPr lang="en-US" dirty="0" smtClean="0"/>
+              <a:t>&gt;.</a:t>
+            </a:r>
+            <a:endParaRPr lang="en-US" dirty="0"/>
+          </a:p>
+          <a:p>
+            <a:r>
+              <a:rPr lang="en-US" dirty="0" err="1" smtClean="0"/>
+              <a:t>Kawal</a:t>
+            </a:r>
+            <a:r>
+              <a:rPr lang="en-US" dirty="0"/>
+              <a:t>. "How to Use </a:t>
+            </a:r>
+            <a:r>
+              <a:rPr lang="en-US" dirty="0" err="1"/>
+              <a:t>Xbees</a:t>
+            </a:r>
+            <a:r>
+              <a:rPr lang="en-US" dirty="0"/>
+              <a:t> with Arduino." Community of Robots. </a:t>
+            </a:r>
+            <a:r>
+              <a:rPr lang="en-US" dirty="0" err="1"/>
+              <a:t>N.p</a:t>
+            </a:r>
+            <a:r>
+              <a:rPr lang="en-US" dirty="0"/>
+              <a:t>., 4 Dec. 2011. Web. &lt;http://communityofrobots.com/tutorial/kawal/xbee-and-arduino</a:t>
+            </a:r>
+            <a:r>
+              <a:rPr lang="en-US" dirty="0" smtClean="0"/>
+              <a:t>&gt;.</a:t>
+            </a:r>
+            <a:endParaRPr lang="en-US" dirty="0"/>
           </a:p>
         </p:txBody>
       </p:sp>
@@ -6715,6 +7547,78 @@
       </p:par>
     </p:tnLst>
   </p:timing>
+</p:sld>
+</file>
+
+<file path=ppt/slides/slide17.xml><?xml version="1.0" encoding="utf-8"?>
+<p:sld xmlns:a="http://schemas.openxmlformats.org/drawingml/2006/main" xmlns:r="http://schemas.openxmlformats.org/officeDocument/2006/relationships" xmlns:p="http://schemas.openxmlformats.org/presentationml/2006/main">
+  <p:cSld>
+    <p:spTree>
+      <p:nvGrpSpPr>
+        <p:cNvPr id="1" name=""/>
+        <p:cNvGrpSpPr/>
+        <p:nvPr/>
+      </p:nvGrpSpPr>
+      <p:grpSpPr>
+        <a:xfrm>
+          <a:off x="0" y="0"/>
+          <a:ext cx="0" cy="0"/>
+          <a:chOff x="0" y="0"/>
+          <a:chExt cx="0" cy="0"/>
+        </a:xfrm>
+      </p:grpSpPr>
+      <p:sp>
+        <p:nvSpPr>
+          <p:cNvPr id="2" name="Title 1"/>
+          <p:cNvSpPr>
+            <a:spLocks noGrp="1"/>
+          </p:cNvSpPr>
+          <p:nvPr>
+            <p:ph type="title"/>
+          </p:nvPr>
+        </p:nvSpPr>
+        <p:spPr/>
+        <p:txBody>
+          <a:bodyPr/>
+          <a:lstStyle/>
+          <a:p>
+            <a:r>
+              <a:rPr lang="en-US" dirty="0" smtClean="0"/>
+              <a:t>Questions?</a:t>
+            </a:r>
+            <a:endParaRPr lang="en-US" dirty="0"/>
+          </a:p>
+        </p:txBody>
+      </p:sp>
+      <p:sp>
+        <p:nvSpPr>
+          <p:cNvPr id="3" name="Content Placeholder 2"/>
+          <p:cNvSpPr>
+            <a:spLocks noGrp="1"/>
+          </p:cNvSpPr>
+          <p:nvPr>
+            <p:ph idx="1"/>
+          </p:nvPr>
+        </p:nvSpPr>
+        <p:spPr/>
+        <p:txBody>
+          <a:bodyPr/>
+          <a:lstStyle/>
+          <a:p>
+            <a:endParaRPr lang="en-US"/>
+          </a:p>
+        </p:txBody>
+      </p:sp>
+    </p:spTree>
+    <p:extLst>
+      <p:ext uri="{BB962C8B-B14F-4D97-AF65-F5344CB8AC3E}">
+        <p14:creationId xmlns:p14="http://schemas.microsoft.com/office/powerpoint/2010/main" val="2377504907"/>
+      </p:ext>
+    </p:extLst>
+  </p:cSld>
+  <p:clrMapOvr>
+    <a:masterClrMapping/>
+  </p:clrMapOvr>
 </p:sld>
 </file>
 
@@ -6856,7 +7760,7 @@
       </p:sp>
       <p:pic>
         <p:nvPicPr>
-          <p:cNvPr id="7" name="Picture 6"/>
+          <p:cNvPr id="3" name="Picture 2"/>
           <p:cNvPicPr>
             <a:picLocks noChangeAspect="1"/>
           </p:cNvPicPr>
@@ -6876,8 +7780,8 @@
         </p:blipFill>
         <p:spPr>
           <a:xfrm>
-            <a:off x="685800" y="2362200"/>
-            <a:ext cx="8256260" cy="3124200"/>
+            <a:off x="596153" y="2590800"/>
+            <a:ext cx="8534400" cy="3050691"/>
           </a:xfrm>
           <a:prstGeom prst="rect">
             <a:avLst/>
@@ -7251,32 +8155,55 @@
           <a:p>
             <a:r>
               <a:rPr lang="en-US" dirty="0" smtClean="0"/>
+              <a:t>3-pin </a:t>
+            </a:r>
+            <a:r>
+              <a:rPr lang="en-US" dirty="0" smtClean="0"/>
+              <a:t>servo connector</a:t>
+            </a:r>
+          </a:p>
+          <a:p>
+            <a:r>
+              <a:rPr lang="en-US" dirty="0" smtClean="0"/>
+              <a:t>Requires 6Vdc</a:t>
+            </a:r>
+          </a:p>
+          <a:p>
+            <a:r>
+              <a:rPr lang="en-US" dirty="0" smtClean="0"/>
+              <a:t>We use 9600 Baud rate</a:t>
+            </a:r>
+          </a:p>
+          <a:p>
+            <a:r>
+              <a:rPr lang="en-US" dirty="0" smtClean="0"/>
+              <a:t>Connector for </a:t>
+            </a:r>
+            <a:r>
+              <a:rPr lang="en-US" dirty="0" err="1" smtClean="0"/>
+              <a:t>Xbee</a:t>
+            </a:r>
+            <a:r>
+              <a:rPr lang="en-US" dirty="0" smtClean="0"/>
+              <a:t> modules</a:t>
+            </a:r>
+            <a:endParaRPr lang="en-US" dirty="0" smtClean="0"/>
+          </a:p>
+          <a:p>
+            <a:r>
+              <a:rPr lang="en-US" dirty="0"/>
               <a:t>Accepts string commands</a:t>
             </a:r>
           </a:p>
           <a:p>
             <a:pPr lvl="1"/>
             <a:r>
-              <a:rPr lang="en-US" dirty="0" smtClean="0"/>
-              <a:t>#0 P1500 S500 T1000</a:t>
-            </a:r>
-          </a:p>
-          <a:p>
-            <a:r>
-              <a:rPr lang="en-US" dirty="0" smtClean="0"/>
-              <a:t>3-pin servo connector</a:t>
-            </a:r>
-          </a:p>
-          <a:p>
-            <a:r>
-              <a:rPr lang="en-US" dirty="0" smtClean="0"/>
-              <a:t>Requires 6Vdc</a:t>
-            </a:r>
-          </a:p>
-          <a:p>
-            <a:r>
-              <a:rPr lang="en-US" dirty="0" smtClean="0"/>
-              <a:t>We use 9600 Baud rate</a:t>
+              <a:rPr lang="en-US" dirty="0"/>
+              <a:t>#0 P1500 S500 </a:t>
+            </a:r>
+            <a:r>
+              <a:rPr lang="en-US" dirty="0" smtClean="0"/>
+              <a:t>T1000</a:t>
             </a:r>
             <a:endParaRPr lang="en-US" dirty="0"/>
           </a:p>
@@ -7289,7 +8216,7 @@
           <p:nvPr/>
         </p:nvPicPr>
         <p:blipFill>
-          <a:blip r:embed="rId2">
+          <a:blip r:embed="rId3">
             <a:extLst>
               <a:ext uri="{28A0092B-C50C-407E-A947-70E740481C1C}">
                 <a14:useLocalDpi xmlns:a14="http://schemas.microsoft.com/office/drawing/2010/main" val="0"/>
@@ -7302,7 +8229,7 @@
         </p:blipFill>
         <p:spPr>
           <a:xfrm>
-            <a:off x="3073558" y="4419600"/>
+            <a:off x="4953000" y="2438400"/>
             <a:ext cx="3111183" cy="2121881"/>
           </a:xfrm>
           <a:prstGeom prst="rect">
@@ -7431,7 +8358,7 @@
           <p:nvPr/>
         </p:nvPicPr>
         <p:blipFill rotWithShape="1">
-          <a:blip r:embed="rId2" cstate="print">
+          <a:blip r:embed="rId3" cstate="print">
             <a:extLst>
               <a:ext uri="{28A0092B-C50C-407E-A947-70E740481C1C}">
                 <a14:useLocalDpi xmlns:a14="http://schemas.microsoft.com/office/drawing/2010/main" val="0"/>
@@ -7577,6 +8504,45 @@
           </a:p>
         </p:txBody>
       </p:sp>
+      <p:pic>
+        <p:nvPicPr>
+          <p:cNvPr id="1026" name="Picture 2" descr="https://cdn-shop.adafruit.com/1200x900/2466-00.jpg"/>
+          <p:cNvPicPr>
+            <a:picLocks noChangeAspect="1" noChangeArrowheads="1"/>
+          </p:cNvPicPr>
+          <p:nvPr/>
+        </p:nvPicPr>
+        <p:blipFill rotWithShape="1">
+          <a:blip r:embed="rId3" cstate="print">
+            <a:extLst>
+              <a:ext uri="{28A0092B-C50C-407E-A947-70E740481C1C}">
+                <a14:useLocalDpi xmlns:a14="http://schemas.microsoft.com/office/drawing/2010/main" val="0"/>
+              </a:ext>
+            </a:extLst>
+          </a:blip>
+          <a:srcRect l="13114" t="10929" r="13114" b="14754"/>
+          <a:stretch/>
+        </p:blipFill>
+        <p:spPr bwMode="auto">
+          <a:xfrm>
+            <a:off x="3028950" y="4191000"/>
+            <a:ext cx="3200400" cy="2418080"/>
+          </a:xfrm>
+          <a:prstGeom prst="rect">
+            <a:avLst/>
+          </a:prstGeom>
+          <a:noFill/>
+          <a:extLst>
+            <a:ext uri="{909E8E84-426E-40DD-AFC4-6F175D3DCCD1}">
+              <a14:hiddenFill xmlns:a14="http://schemas.microsoft.com/office/drawing/2010/main">
+                <a:solidFill>
+                  <a:srgbClr val="FFFFFF"/>
+                </a:solidFill>
+              </a14:hiddenFill>
+            </a:ext>
+          </a:extLst>
+        </p:spPr>
+      </p:pic>
     </p:spTree>
     <p:extLst>
       <p:ext uri="{BB962C8B-B14F-4D97-AF65-F5344CB8AC3E}">
@@ -7697,7 +8663,7 @@
           <p:nvPr/>
         </p:nvPicPr>
         <p:blipFill>
-          <a:blip r:embed="rId2" cstate="print">
+          <a:blip r:embed="rId3" cstate="print">
             <a:extLst>
               <a:ext uri="{28A0092B-C50C-407E-A947-70E740481C1C}">
                 <a14:useLocalDpi xmlns:a14="http://schemas.microsoft.com/office/drawing/2010/main" val="0"/>

--- a/Documents/Presentation/Presentation_MobileMotionTrackingRobotArm.pptx
+++ b/Documents/Presentation/Presentation_MobileMotionTrackingRobotArm.pptx
@@ -1317,13 +1317,19 @@
             </a:r>
             <a:r>
               <a:rPr lang="en-US" baseline="0" dirty="0" smtClean="0"/>
-              <a:t> 2.8lbs of torque, more </a:t>
-            </a:r>
-            <a:r>
-              <a:rPr lang="en-US" baseline="0" smtClean="0"/>
-              <a:t>than enough for arm</a:t>
-            </a:r>
-            <a:endParaRPr lang="en-US"/>
+              <a:t> 2.8lbs of torque, more than enough for arm</a:t>
+            </a:r>
+          </a:p>
+          <a:p>
+            <a:pPr marL="171450" indent="-171450">
+              <a:buFont typeface="Arial" panose="020B0604020202020204" pitchFamily="34" charset="0"/>
+              <a:buChar char="•"/>
+            </a:pPr>
+            <a:r>
+              <a:rPr lang="en-US" baseline="0" dirty="0" smtClean="0"/>
+              <a:t>Servo over motor so we could control with SSC-32U</a:t>
+            </a:r>
+            <a:endParaRPr lang="en-US" dirty="0"/>
           </a:p>
         </p:txBody>
       </p:sp>

--- a/Documents/Presentation/Presentation_MobileMotionTrackingRobotArm.pptx
+++ b/Documents/Presentation/Presentation_MobileMotionTrackingRobotArm.pptx
@@ -5,7 +5,7 @@
     <p:sldMasterId id="2147483684" r:id="rId1"/>
   </p:sldMasterIdLst>
   <p:notesMasterIdLst>
-    <p:notesMasterId r:id="rId19"/>
+    <p:notesMasterId r:id="rId20"/>
   </p:notesMasterIdLst>
   <p:sldIdLst>
     <p:sldId id="256" r:id="rId2"/>
@@ -23,8 +23,9 @@
     <p:sldId id="275" r:id="rId14"/>
     <p:sldId id="265" r:id="rId15"/>
     <p:sldId id="260" r:id="rId16"/>
-    <p:sldId id="261" r:id="rId17"/>
-    <p:sldId id="276" r:id="rId18"/>
+    <p:sldId id="277" r:id="rId17"/>
+    <p:sldId id="261" r:id="rId18"/>
+    <p:sldId id="276" r:id="rId19"/>
   </p:sldIdLst>
   <p:sldSz cx="9144000" cy="6858000" type="screen4x3"/>
   <p:notesSz cx="6858000" cy="9144000"/>
@@ -626,11 +627,7 @@
             </a:pPr>
             <a:r>
               <a:rPr lang="en-US" dirty="0" smtClean="0"/>
-              <a:t>Kinect </a:t>
-            </a:r>
-            <a:r>
-              <a:rPr lang="en-US" dirty="0" smtClean="0"/>
-              <a:t>SDK has skeleton stream – stores information about each joint (coordinates)</a:t>
+              <a:t>Kinect SDK has skeleton stream – stores information about each joint (coordinates)</a:t>
             </a:r>
           </a:p>
           <a:p>
@@ -7149,6 +7146,81 @@
           <a:p>
             <a:r>
               <a:rPr lang="en-US" dirty="0" smtClean="0"/>
+              <a:t>GitHub</a:t>
+            </a:r>
+            <a:endParaRPr lang="en-US" dirty="0"/>
+          </a:p>
+        </p:txBody>
+      </p:sp>
+      <p:sp>
+        <p:nvSpPr>
+          <p:cNvPr id="3" name="Content Placeholder 2"/>
+          <p:cNvSpPr>
+            <a:spLocks noGrp="1"/>
+          </p:cNvSpPr>
+          <p:nvPr>
+            <p:ph idx="1"/>
+          </p:nvPr>
+        </p:nvSpPr>
+        <p:spPr/>
+        <p:txBody>
+          <a:bodyPr/>
+          <a:lstStyle/>
+          <a:p>
+            <a:r>
+              <a:rPr lang="en-US" dirty="0"/>
+              <a:t>https://github.com/StormWulf/Mobile-Motion-Tracking-Robot-Arm</a:t>
+            </a:r>
+          </a:p>
+        </p:txBody>
+      </p:sp>
+    </p:spTree>
+    <p:extLst>
+      <p:ext uri="{BB962C8B-B14F-4D97-AF65-F5344CB8AC3E}">
+        <p14:creationId xmlns:p14="http://schemas.microsoft.com/office/powerpoint/2010/main" val="3160293065"/>
+      </p:ext>
+    </p:extLst>
+  </p:cSld>
+  <p:clrMapOvr>
+    <a:masterClrMapping/>
+  </p:clrMapOvr>
+</p:sld>
+</file>
+
+<file path=ppt/slides/slide17.xml><?xml version="1.0" encoding="utf-8"?>
+<p:sld xmlns:a="http://schemas.openxmlformats.org/drawingml/2006/main" xmlns:r="http://schemas.openxmlformats.org/officeDocument/2006/relationships" xmlns:p="http://schemas.openxmlformats.org/presentationml/2006/main">
+  <p:cSld>
+    <p:spTree>
+      <p:nvGrpSpPr>
+        <p:cNvPr id="1" name=""/>
+        <p:cNvGrpSpPr/>
+        <p:nvPr/>
+      </p:nvGrpSpPr>
+      <p:grpSpPr>
+        <a:xfrm>
+          <a:off x="0" y="0"/>
+          <a:ext cx="0" cy="0"/>
+          <a:chOff x="0" y="0"/>
+          <a:chExt cx="0" cy="0"/>
+        </a:xfrm>
+      </p:grpSpPr>
+      <p:sp>
+        <p:nvSpPr>
+          <p:cNvPr id="2" name="Title 1"/>
+          <p:cNvSpPr>
+            <a:spLocks noGrp="1"/>
+          </p:cNvSpPr>
+          <p:nvPr>
+            <p:ph type="title"/>
+          </p:nvPr>
+        </p:nvSpPr>
+        <p:spPr/>
+        <p:txBody>
+          <a:bodyPr/>
+          <a:lstStyle/>
+          <a:p>
+            <a:r>
+              <a:rPr lang="en-US" dirty="0" smtClean="0"/>
               <a:t>References</a:t>
             </a:r>
             <a:endParaRPr lang="en-US" dirty="0"/>
@@ -7556,7 +7628,7 @@
 </p:sld>
 </file>
 
-<file path=ppt/slides/slide17.xml><?xml version="1.0" encoding="utf-8"?>
+<file path=ppt/slides/slide18.xml><?xml version="1.0" encoding="utf-8"?>
 <p:sld xmlns:a="http://schemas.openxmlformats.org/drawingml/2006/main" xmlns:r="http://schemas.openxmlformats.org/officeDocument/2006/relationships" xmlns:p="http://schemas.openxmlformats.org/presentationml/2006/main">
   <p:cSld>
     <p:spTree>
@@ -8161,11 +8233,7 @@
           <a:p>
             <a:r>
               <a:rPr lang="en-US" dirty="0" smtClean="0"/>
-              <a:t>3-pin </a:t>
-            </a:r>
-            <a:r>
-              <a:rPr lang="en-US" dirty="0" smtClean="0"/>
-              <a:t>servo connector</a:t>
+              <a:t>3-pin servo connector</a:t>
             </a:r>
           </a:p>
           <a:p>
@@ -8193,7 +8261,6 @@
               <a:rPr lang="en-US" dirty="0" smtClean="0"/>
               <a:t> modules</a:t>
             </a:r>
-            <a:endParaRPr lang="en-US" dirty="0" smtClean="0"/>
           </a:p>
           <a:p>
             <a:r>

--- a/Documents/Presentation/Presentation_MobileMotionTrackingRobotArm.pptx
+++ b/Documents/Presentation/Presentation_MobileMotionTrackingRobotArm.pptx
@@ -7184,6 +7184,13 @@
   <p:clrMapOvr>
     <a:masterClrMapping/>
   </p:clrMapOvr>
+  <p:timing>
+    <p:tnLst>
+      <p:par>
+        <p:cTn id="1" dur="indefinite" restart="never" nodeType="tmRoot"/>
+      </p:par>
+    </p:tnLst>
+  </p:timing>
 </p:sld>
 </file>
 
@@ -7668,25 +7675,35 @@
           </a:p>
         </p:txBody>
       </p:sp>
-      <p:sp>
-        <p:nvSpPr>
-          <p:cNvPr id="3" name="Content Placeholder 2"/>
-          <p:cNvSpPr>
-            <a:spLocks noGrp="1"/>
-          </p:cNvSpPr>
+      <p:pic>
+        <p:nvPicPr>
+          <p:cNvPr id="4" name="Content Placeholder 3"/>
+          <p:cNvPicPr>
+            <a:picLocks noGrp="1" noChangeAspect="1"/>
+          </p:cNvPicPr>
           <p:nvPr>
             <p:ph idx="1"/>
           </p:nvPr>
-        </p:nvSpPr>
-        <p:spPr/>
-        <p:txBody>
-          <a:bodyPr/>
-          <a:lstStyle/>
-          <a:p>
-            <a:endParaRPr lang="en-US"/>
-          </a:p>
-        </p:txBody>
-      </p:sp>
+        </p:nvPicPr>
+        <p:blipFill>
+          <a:blip r:embed="rId2" cstate="print">
+            <a:extLst>
+              <a:ext uri="{28A0092B-C50C-407E-A947-70E740481C1C}">
+                <a14:useLocalDpi xmlns:a14="http://schemas.microsoft.com/office/drawing/2010/main" val="0"/>
+              </a:ext>
+            </a:extLst>
+          </a:blip>
+          <a:stretch>
+            <a:fillRect/>
+          </a:stretch>
+        </p:blipFill>
+        <p:spPr>
+          <a:xfrm>
+            <a:off x="2046460" y="2286000"/>
+            <a:ext cx="5165380" cy="3581400"/>
+          </a:xfrm>
+        </p:spPr>
+      </p:pic>
     </p:spTree>
     <p:extLst>
       <p:ext uri="{BB962C8B-B14F-4D97-AF65-F5344CB8AC3E}">
@@ -7697,6 +7714,13 @@
   <p:clrMapOvr>
     <a:masterClrMapping/>
   </p:clrMapOvr>
+  <p:timing>
+    <p:tnLst>
+      <p:par>
+        <p:cTn id="1" dur="indefinite" restart="never" nodeType="tmRoot"/>
+      </p:par>
+    </p:tnLst>
+  </p:timing>
 </p:sld>
 </file>
 

--- a/Documents/Presentation/Presentation_MobileMotionTrackingRobotArm.pptx
+++ b/Documents/Presentation/Presentation_MobileMotionTrackingRobotArm.pptx
@@ -537,6 +537,28 @@
           <a:bodyPr/>
           <a:lstStyle/>
           <a:p>
+            <a:pPr marL="171450" indent="-171450">
+              <a:buFont typeface="Arial" panose="020B0604020202020204" pitchFamily="34" charset="0"/>
+              <a:buChar char="•"/>
+            </a:pPr>
+            <a:r>
+              <a:rPr lang="en-US" dirty="0" smtClean="0"/>
+              <a:t>Be able to control from a distance.</a:t>
+            </a:r>
+            <a:r>
+              <a:rPr lang="en-US" baseline="0" dirty="0" smtClean="0"/>
+              <a:t>  Final test for us was to drive to a distance object, pick it up, and bring it back – project is success</a:t>
+            </a:r>
+          </a:p>
+          <a:p>
+            <a:pPr marL="171450" indent="-171450">
+              <a:buFont typeface="Arial" panose="020B0604020202020204" pitchFamily="34" charset="0"/>
+              <a:buChar char="•"/>
+            </a:pPr>
+            <a:r>
+              <a:rPr lang="en-US" baseline="0" dirty="0" smtClean="0"/>
+              <a:t>Prototype for future device that could be used in situations that are not safe for humans</a:t>
+            </a:r>
             <a:endParaRPr lang="en-US" dirty="0"/>
           </a:p>
         </p:txBody>
@@ -627,7 +649,7 @@
             </a:pPr>
             <a:r>
               <a:rPr lang="en-US" dirty="0" smtClean="0"/>
-              <a:t>Kinect SDK has skeleton stream – stores information about each joint (coordinates)</a:t>
+              <a:t>Use skeletal tracking to achieve motion tracking</a:t>
             </a:r>
           </a:p>
           <a:p>
@@ -637,7 +659,7 @@
             </a:pPr>
             <a:r>
               <a:rPr lang="en-US" dirty="0" smtClean="0"/>
-              <a:t>Filter out right hand joint</a:t>
+              <a:t>Kinect SDK has skeleton stream – stores information about each joint (coordinates)</a:t>
             </a:r>
           </a:p>
           <a:p>
@@ -660,6 +682,35 @@
             <a:r>
               <a:rPr lang="en-US" baseline="0" dirty="0" smtClean="0"/>
               <a:t> gives x coordinate</a:t>
+            </a:r>
+            <a:endParaRPr lang="en-US" dirty="0" smtClean="0"/>
+          </a:p>
+          <a:p>
+            <a:pPr marL="171450" indent="-171450">
+              <a:buFont typeface="Arial" panose="020B0604020202020204" pitchFamily="34" charset="0"/>
+              <a:buChar char="•"/>
+            </a:pPr>
+            <a:r>
+              <a:rPr lang="en-US" dirty="0" smtClean="0"/>
+              <a:t>Filter </a:t>
+            </a:r>
+            <a:r>
+              <a:rPr lang="en-US" dirty="0" smtClean="0"/>
+              <a:t>out right hand </a:t>
+            </a:r>
+            <a:r>
+              <a:rPr lang="en-US" dirty="0" smtClean="0"/>
+              <a:t>joint</a:t>
+            </a:r>
+          </a:p>
+          <a:p>
+            <a:pPr marL="171450" indent="-171450">
+              <a:buFont typeface="Arial" panose="020B0604020202020204" pitchFamily="34" charset="0"/>
+              <a:buChar char="•"/>
+            </a:pPr>
+            <a:r>
+              <a:rPr lang="en-US" dirty="0" smtClean="0"/>
+              <a:t>Write to Arduino port – comma delimiter</a:t>
             </a:r>
           </a:p>
           <a:p>
@@ -805,11 +856,66 @@
             </a:pPr>
             <a:r>
               <a:rPr lang="en-US" dirty="0" smtClean="0"/>
-              <a:t>Linear regression: max and min</a:t>
+              <a:t>Linear regression: </a:t>
+            </a:r>
+            <a:r>
+              <a:rPr lang="en-US" dirty="0" smtClean="0"/>
+              <a:t>set max </a:t>
+            </a:r>
+            <a:r>
+              <a:rPr lang="en-US" dirty="0" smtClean="0"/>
+              <a:t>and min</a:t>
             </a:r>
             <a:r>
               <a:rPr lang="en-US" baseline="0" dirty="0" smtClean="0"/>
-              <a:t> ranges of Kinect and arm used to find slope and intercept for our equations</a:t>
+              <a:t> </a:t>
+            </a:r>
+            <a:r>
+              <a:rPr lang="en-US" baseline="0" dirty="0" smtClean="0"/>
+              <a:t>values for </a:t>
+            </a:r>
+            <a:r>
+              <a:rPr lang="en-US" baseline="0" dirty="0" smtClean="0"/>
+              <a:t>Kinect and arm </a:t>
+            </a:r>
+            <a:r>
+              <a:rPr lang="en-US" baseline="0" dirty="0" smtClean="0"/>
+              <a:t>and use them to </a:t>
+            </a:r>
+            <a:r>
+              <a:rPr lang="en-US" baseline="0" dirty="0" smtClean="0"/>
+              <a:t>find slope and intercept for our </a:t>
+            </a:r>
+            <a:r>
+              <a:rPr lang="en-US" baseline="0" dirty="0" smtClean="0"/>
+              <a:t>equations</a:t>
+            </a:r>
+          </a:p>
+          <a:p>
+            <a:pPr marL="171450" marR="0" indent="-171450" algn="l" defTabSz="914400" rtl="0" eaLnBrk="1" fontAlgn="auto" latinLnBrk="0" hangingPunct="1">
+              <a:lnSpc>
+                <a:spcPct val="100000"/>
+              </a:lnSpc>
+              <a:spcBef>
+                <a:spcPts val="0"/>
+              </a:spcBef>
+              <a:spcAft>
+                <a:spcPts val="0"/>
+              </a:spcAft>
+              <a:buClrTx/>
+              <a:buSzTx/>
+              <a:buFont typeface="Arial" panose="020B0604020202020204" pitchFamily="34" charset="0"/>
+              <a:buChar char="•"/>
+              <a:tabLst/>
+              <a:defRPr/>
+            </a:pPr>
+            <a:r>
+              <a:rPr lang="en-US" baseline="0" dirty="0" smtClean="0"/>
+              <a:t>Kinect coordinate measured as distance from Kinect – won’t work for arm.  </a:t>
+            </a:r>
+            <a:r>
+              <a:rPr lang="en-US" baseline="0" smtClean="0"/>
+              <a:t>Scale down to inches</a:t>
             </a:r>
             <a:endParaRPr lang="en-US" dirty="0" smtClean="0"/>
           </a:p>
@@ -842,6 +948,205 @@
     <p:extLst>
       <p:ext uri="{BB962C8B-B14F-4D97-AF65-F5344CB8AC3E}">
         <p14:creationId xmlns:p14="http://schemas.microsoft.com/office/powerpoint/2010/main" val="3501235008"/>
+      </p:ext>
+    </p:extLst>
+  </p:cSld>
+  <p:clrMapOvr>
+    <a:masterClrMapping/>
+  </p:clrMapOvr>
+</p:notes>
+</file>
+
+<file path=ppt/notesSlides/notesSlide12.xml><?xml version="1.0" encoding="utf-8"?>
+<p:notes xmlns:a="http://schemas.openxmlformats.org/drawingml/2006/main" xmlns:r="http://schemas.openxmlformats.org/officeDocument/2006/relationships" xmlns:p="http://schemas.openxmlformats.org/presentationml/2006/main">
+  <p:cSld>
+    <p:spTree>
+      <p:nvGrpSpPr>
+        <p:cNvPr id="1" name=""/>
+        <p:cNvGrpSpPr/>
+        <p:nvPr/>
+      </p:nvGrpSpPr>
+      <p:grpSpPr>
+        <a:xfrm>
+          <a:off x="0" y="0"/>
+          <a:ext cx="0" cy="0"/>
+          <a:chOff x="0" y="0"/>
+          <a:chExt cx="0" cy="0"/>
+        </a:xfrm>
+      </p:grpSpPr>
+      <p:sp>
+        <p:nvSpPr>
+          <p:cNvPr id="2" name="Slide Image Placeholder 1"/>
+          <p:cNvSpPr>
+            <a:spLocks noGrp="1" noRot="1" noChangeAspect="1"/>
+          </p:cNvSpPr>
+          <p:nvPr>
+            <p:ph type="sldImg"/>
+          </p:nvPr>
+        </p:nvSpPr>
+        <p:spPr/>
+      </p:sp>
+      <p:sp>
+        <p:nvSpPr>
+          <p:cNvPr id="3" name="Notes Placeholder 2"/>
+          <p:cNvSpPr>
+            <a:spLocks noGrp="1"/>
+          </p:cNvSpPr>
+          <p:nvPr>
+            <p:ph type="body" idx="1"/>
+          </p:nvPr>
+        </p:nvSpPr>
+        <p:spPr/>
+        <p:txBody>
+          <a:bodyPr/>
+          <a:lstStyle/>
+          <a:p>
+            <a:pPr marL="171450" indent="-171450">
+              <a:buFont typeface="Arial" panose="020B0604020202020204" pitchFamily="34" charset="0"/>
+              <a:buChar char="•"/>
+            </a:pPr>
+            <a:r>
+              <a:rPr lang="en-US" dirty="0" smtClean="0"/>
+              <a:t>Geometry</a:t>
+            </a:r>
+          </a:p>
+          <a:p>
+            <a:pPr marL="171450" indent="-171450">
+              <a:buFont typeface="Arial" panose="020B0604020202020204" pitchFamily="34" charset="0"/>
+              <a:buChar char="•"/>
+            </a:pPr>
+            <a:r>
+              <a:rPr lang="en-US" dirty="0" smtClean="0"/>
+              <a:t>Hand</a:t>
+            </a:r>
+            <a:r>
+              <a:rPr lang="en-US" baseline="0" dirty="0" smtClean="0"/>
+              <a:t> – length of hand, ulna – length of ulna, etc.</a:t>
+            </a:r>
+            <a:endParaRPr lang="en-US" dirty="0" smtClean="0"/>
+          </a:p>
+          <a:p>
+            <a:pPr marL="171450" indent="-171450">
+              <a:buFont typeface="Arial" panose="020B0604020202020204" pitchFamily="34" charset="0"/>
+              <a:buChar char="•"/>
+            </a:pPr>
+            <a:r>
+              <a:rPr lang="en-US" dirty="0" smtClean="0"/>
+              <a:t>Tell</a:t>
+            </a:r>
+            <a:r>
+              <a:rPr lang="en-US" baseline="0" dirty="0" smtClean="0"/>
+              <a:t> it where hand should be</a:t>
+            </a:r>
+          </a:p>
+          <a:p>
+            <a:pPr marL="171450" indent="-171450">
+              <a:buFont typeface="Arial" panose="020B0604020202020204" pitchFamily="34" charset="0"/>
+              <a:buChar char="•"/>
+            </a:pPr>
+            <a:r>
+              <a:rPr lang="en-US" baseline="0" dirty="0" smtClean="0"/>
+              <a:t>Finds where wrist should be based on length of robot’s hand</a:t>
+            </a:r>
+          </a:p>
+          <a:p>
+            <a:pPr marL="171450" indent="-171450">
+              <a:buFont typeface="Arial" panose="020B0604020202020204" pitchFamily="34" charset="0"/>
+              <a:buChar char="•"/>
+            </a:pPr>
+            <a:r>
+              <a:rPr lang="en-US" baseline="0" dirty="0" err="1" smtClean="0"/>
+              <a:t>sw</a:t>
+            </a:r>
+            <a:r>
+              <a:rPr lang="en-US" baseline="0" dirty="0" smtClean="0"/>
+              <a:t> - Finds distance between shoulder and wrist, think of it as a line</a:t>
+            </a:r>
+          </a:p>
+          <a:p>
+            <a:pPr marL="171450" indent="-171450">
+              <a:buFont typeface="Arial" panose="020B0604020202020204" pitchFamily="34" charset="0"/>
+              <a:buChar char="•"/>
+            </a:pPr>
+            <a:r>
+              <a:rPr lang="en-US" baseline="0" dirty="0" smtClean="0"/>
+              <a:t>A1 - Finds angle b/w that line and ground</a:t>
+            </a:r>
+          </a:p>
+          <a:p>
+            <a:pPr marL="171450" indent="-171450">
+              <a:buFont typeface="Arial" panose="020B0604020202020204" pitchFamily="34" charset="0"/>
+              <a:buChar char="•"/>
+            </a:pPr>
+            <a:r>
+              <a:rPr lang="en-US" baseline="0" dirty="0" smtClean="0"/>
+              <a:t>A2 - Finds angle b/w that line and </a:t>
+            </a:r>
+            <a:r>
+              <a:rPr lang="en-US" baseline="0" dirty="0" err="1" smtClean="0"/>
+              <a:t>humerus</a:t>
+            </a:r>
+            <a:endParaRPr lang="en-US" baseline="0" dirty="0" smtClean="0"/>
+          </a:p>
+          <a:p>
+            <a:pPr marL="171450" indent="-171450">
+              <a:buFont typeface="Arial" panose="020B0604020202020204" pitchFamily="34" charset="0"/>
+              <a:buChar char="•"/>
+            </a:pPr>
+            <a:r>
+              <a:rPr lang="en-US" baseline="0" dirty="0" smtClean="0"/>
+              <a:t>Shoulder angle – A1 + A2</a:t>
+            </a:r>
+          </a:p>
+          <a:p>
+            <a:pPr marL="171450" indent="-171450">
+              <a:buFont typeface="Arial" panose="020B0604020202020204" pitchFamily="34" charset="0"/>
+              <a:buChar char="•"/>
+            </a:pPr>
+            <a:r>
+              <a:rPr lang="en-US" baseline="0" dirty="0" smtClean="0"/>
+              <a:t>Elbow angle</a:t>
+            </a:r>
+          </a:p>
+          <a:p>
+            <a:pPr marL="171450" indent="-171450">
+              <a:buFont typeface="Arial" panose="020B0604020202020204" pitchFamily="34" charset="0"/>
+              <a:buChar char="•"/>
+            </a:pPr>
+            <a:r>
+              <a:rPr lang="en-US" baseline="0" dirty="0" smtClean="0"/>
+              <a:t>Wrist maintains same angle to ground no matter what position the arm is in</a:t>
+            </a:r>
+          </a:p>
+        </p:txBody>
+      </p:sp>
+      <p:sp>
+        <p:nvSpPr>
+          <p:cNvPr id="4" name="Slide Number Placeholder 3"/>
+          <p:cNvSpPr>
+            <a:spLocks noGrp="1"/>
+          </p:cNvSpPr>
+          <p:nvPr>
+            <p:ph type="sldNum" sz="quarter" idx="10"/>
+          </p:nvPr>
+        </p:nvSpPr>
+        <p:spPr/>
+        <p:txBody>
+          <a:bodyPr/>
+          <a:lstStyle/>
+          <a:p>
+            <a:fld id="{3B17A12C-C4E2-4206-8C18-BBFF2A1087F6}" type="slidenum">
+              <a:rPr lang="en-US" smtClean="0"/>
+              <a:t>13</a:t>
+            </a:fld>
+            <a:endParaRPr lang="en-US"/>
+          </a:p>
+        </p:txBody>
+      </p:sp>
+    </p:spTree>
+    <p:extLst>
+      <p:ext uri="{BB962C8B-B14F-4D97-AF65-F5344CB8AC3E}">
+        <p14:creationId xmlns:p14="http://schemas.microsoft.com/office/powerpoint/2010/main" val="3000678493"/>
       </p:ext>
     </p:extLst>
   </p:cSld>
@@ -895,7 +1200,63 @@
           <a:bodyPr/>
           <a:lstStyle/>
           <a:p>
-            <a:endParaRPr lang="en-US" dirty="0"/>
+            <a:pPr marL="171450" indent="-171450">
+              <a:buFont typeface="Arial" panose="020B0604020202020204" pitchFamily="34" charset="0"/>
+              <a:buChar char="•"/>
+            </a:pPr>
+            <a:r>
+              <a:rPr lang="en-US" dirty="0" smtClean="0"/>
+              <a:t>Starts at Kinect</a:t>
+            </a:r>
+            <a:r>
+              <a:rPr lang="en-US" baseline="0" dirty="0" smtClean="0"/>
+              <a:t> – does motion tracking</a:t>
+            </a:r>
+          </a:p>
+          <a:p>
+            <a:pPr marL="171450" indent="-171450">
+              <a:buFont typeface="Arial" panose="020B0604020202020204" pitchFamily="34" charset="0"/>
+              <a:buChar char="•"/>
+            </a:pPr>
+            <a:r>
+              <a:rPr lang="en-US" baseline="0" dirty="0" smtClean="0"/>
+              <a:t>Communicates with SDK</a:t>
+            </a:r>
+          </a:p>
+          <a:p>
+            <a:pPr marL="171450" indent="-171450">
+              <a:buFont typeface="Arial" panose="020B0604020202020204" pitchFamily="34" charset="0"/>
+              <a:buChar char="•"/>
+            </a:pPr>
+            <a:r>
+              <a:rPr lang="en-US" baseline="0" dirty="0" smtClean="0"/>
+              <a:t>SDK sends coordinates for user’s hand to Arduino</a:t>
+            </a:r>
+          </a:p>
+          <a:p>
+            <a:pPr marL="171450" indent="-171450">
+              <a:buFont typeface="Arial" panose="020B0604020202020204" pitchFamily="34" charset="0"/>
+              <a:buChar char="•"/>
+            </a:pPr>
+            <a:r>
+              <a:rPr lang="en-US" baseline="0" dirty="0" smtClean="0"/>
+              <a:t>Arduino translates coordinates into servo positions</a:t>
+            </a:r>
+          </a:p>
+          <a:p>
+            <a:pPr marL="171450" indent="-171450">
+              <a:buFont typeface="Arial" panose="020B0604020202020204" pitchFamily="34" charset="0"/>
+              <a:buChar char="•"/>
+            </a:pPr>
+            <a:r>
+              <a:rPr lang="en-US" baseline="0" dirty="0" smtClean="0"/>
+              <a:t>Arduino sends commands to SSC-32U through wireless </a:t>
+            </a:r>
+            <a:r>
+              <a:rPr lang="en-US" baseline="0" dirty="0" err="1" smtClean="0"/>
+              <a:t>Xbees</a:t>
+            </a:r>
+            <a:endParaRPr lang="en-US" baseline="0" dirty="0" smtClean="0"/>
           </a:p>
         </p:txBody>
       </p:sp>
@@ -1026,7 +1387,34 @@
             </a:r>
             <a:r>
               <a:rPr lang="en-US" baseline="0" dirty="0" smtClean="0"/>
-              <a:t> to determine body positions in the room.</a:t>
+              <a:t> to determine body positions in the room</a:t>
+            </a:r>
+            <a:r>
+              <a:rPr lang="en-US" baseline="0" dirty="0" smtClean="0"/>
+              <a:t>.</a:t>
+            </a:r>
+          </a:p>
+          <a:p>
+            <a:pPr marL="171450" marR="0" indent="-171450" algn="l" defTabSz="914400" rtl="0" eaLnBrk="1" fontAlgn="auto" latinLnBrk="0" hangingPunct="1">
+              <a:lnSpc>
+                <a:spcPct val="100000"/>
+              </a:lnSpc>
+              <a:spcBef>
+                <a:spcPts val="0"/>
+              </a:spcBef>
+              <a:spcAft>
+                <a:spcPts val="0"/>
+              </a:spcAft>
+              <a:buClrTx/>
+              <a:buSzTx/>
+              <a:buFont typeface="Arial" panose="020B0604020202020204" pitchFamily="34" charset="0"/>
+              <a:buChar char="•"/>
+              <a:tabLst/>
+              <a:defRPr/>
+            </a:pPr>
+            <a:r>
+              <a:rPr lang="en-US" baseline="0" dirty="0" smtClean="0"/>
+              <a:t>Use SDK to extract coordinates from joints</a:t>
             </a:r>
             <a:endParaRPr lang="en-US" dirty="0" smtClean="0"/>
           </a:p>
@@ -1122,9 +1510,12 @@
             </a:r>
             <a:r>
               <a:rPr lang="en-US" baseline="0" dirty="0" smtClean="0"/>
-              <a:t> tracking with Kinect not reliable enough to allow wrist movement on arm</a:t>
-            </a:r>
-            <a:endParaRPr lang="en-US" dirty="0"/>
+              <a:t> tracking with Kinect not reliable enough to allow wrist movement on </a:t>
+            </a:r>
+            <a:r>
+              <a:rPr lang="en-US" baseline="0" dirty="0" smtClean="0"/>
+              <a:t>arm</a:t>
+            </a:r>
           </a:p>
         </p:txBody>
       </p:sp>
@@ -6279,24 +6670,22 @@
       </p:sp>
       <p:pic>
         <p:nvPicPr>
-          <p:cNvPr id="4" name="Content Placeholder 3"/>
+          <p:cNvPr id="5" name="Picture 4"/>
           <p:cNvPicPr>
-            <a:picLocks noGrp="1"/>
+            <a:picLocks noChangeAspect="1"/>
           </p:cNvPicPr>
-          <p:nvPr>
-            <p:ph idx="1"/>
-          </p:nvPr>
+          <p:nvPr/>
         </p:nvPicPr>
         <p:blipFill>
-          <a:blip r:embed="rId2"/>
+          <a:blip r:embed="rId3"/>
           <a:stretch>
             <a:fillRect/>
           </a:stretch>
         </p:blipFill>
         <p:spPr>
           <a:xfrm>
-            <a:off x="931068" y="2590800"/>
-            <a:ext cx="7396163" cy="3190875"/>
+            <a:off x="894052" y="2514600"/>
+            <a:ext cx="7470195" cy="3171825"/>
           </a:xfrm>
           <a:prstGeom prst="rect">
             <a:avLst/>
